--- a/ppt/Misc.pptx
+++ b/ppt/Misc.pptx
@@ -12,6 +12,8 @@
     <p:sldId id="262" r:id="rId6"/>
     <p:sldId id="257" r:id="rId7"/>
     <p:sldId id="258" r:id="rId8"/>
+    <p:sldId id="263" r:id="rId9"/>
+    <p:sldId id="264" r:id="rId10"/>
   </p:sldIdLst>
   <p:sldSz cx="12192000" cy="6858000"/>
   <p:notesSz cx="6858000" cy="9144000"/>
@@ -110,6 +112,11 @@
       </a:defRPr>
     </a:lvl9pPr>
   </p:defaultTextStyle>
+  <p:extLst>
+    <p:ext uri="{EFAFB233-063F-42B5-8137-9DF3F51BA10A}">
+      <p15:sldGuideLst xmlns:p15="http://schemas.microsoft.com/office/powerpoint/2012/main"/>
+    </p:ext>
+  </p:extLst>
 </p:presentation>
 </file>
 
@@ -283,7 +290,7 @@
             <a:fld id="{87DE6118-2437-4B30-8E3C-4D2BE6020583}" type="datetimeFigureOut">
               <a:rPr lang="en-US" dirty="0"/>
               <a:pPr/>
-              <a:t>9/23/2018</a:t>
+              <a:t>9/24/2018</a:t>
             </a:fld>
             <a:endParaRPr lang="en-US" dirty="0"/>
           </a:p>
@@ -609,7 +616,7 @@
           <a:p>
             <a:fld id="{87DE6118-2437-4B30-8E3C-4D2BE6020583}" type="datetimeFigureOut">
               <a:rPr lang="en-US" dirty="0"/>
-              <a:t>9/23/2018</a:t>
+              <a:t>9/24/2018</a:t>
             </a:fld>
             <a:endParaRPr lang="en-US" dirty="0"/>
           </a:p>
@@ -784,7 +791,7 @@
           <a:p>
             <a:fld id="{87DE6118-2437-4B30-8E3C-4D2BE6020583}" type="datetimeFigureOut">
               <a:rPr lang="en-US" dirty="0"/>
-              <a:t>9/23/2018</a:t>
+              <a:t>9/24/2018</a:t>
             </a:fld>
             <a:endParaRPr lang="en-US" dirty="0"/>
           </a:p>
@@ -949,7 +956,7 @@
           <a:p>
             <a:fld id="{87DE6118-2437-4B30-8E3C-4D2BE6020583}" type="datetimeFigureOut">
               <a:rPr lang="en-US" dirty="0"/>
-              <a:t>9/23/2018</a:t>
+              <a:t>9/24/2018</a:t>
             </a:fld>
             <a:endParaRPr lang="en-US" dirty="0"/>
           </a:p>
@@ -1222,7 +1229,7 @@
             <a:fld id="{87DE6118-2437-4B30-8E3C-4D2BE6020583}" type="datetimeFigureOut">
               <a:rPr lang="en-US" dirty="0"/>
               <a:pPr/>
-              <a:t>9/23/2018</a:t>
+              <a:t>9/24/2018</a:t>
             </a:fld>
             <a:endParaRPr lang="en-US" dirty="0"/>
           </a:p>
@@ -1612,7 +1619,7 @@
           <a:p>
             <a:fld id="{87DE6118-2437-4B30-8E3C-4D2BE6020583}" type="datetimeFigureOut">
               <a:rPr lang="en-US" dirty="0"/>
-              <a:t>9/23/2018</a:t>
+              <a:t>9/24/2018</a:t>
             </a:fld>
             <a:endParaRPr lang="en-US" dirty="0"/>
           </a:p>
@@ -2084,7 +2091,7 @@
           <a:p>
             <a:fld id="{87DE6118-2437-4B30-8E3C-4D2BE6020583}" type="datetimeFigureOut">
               <a:rPr lang="en-US" dirty="0"/>
-              <a:t>9/23/2018</a:t>
+              <a:t>9/24/2018</a:t>
             </a:fld>
             <a:endParaRPr lang="en-US" dirty="0"/>
           </a:p>
@@ -2197,7 +2204,7 @@
           <a:p>
             <a:fld id="{87DE6118-2437-4B30-8E3C-4D2BE6020583}" type="datetimeFigureOut">
               <a:rPr lang="en-US" dirty="0"/>
-              <a:t>9/23/2018</a:t>
+              <a:t>9/24/2018</a:t>
             </a:fld>
             <a:endParaRPr lang="en-US" dirty="0"/>
           </a:p>
@@ -2287,7 +2294,7 @@
           <a:p>
             <a:fld id="{87DE6118-2437-4B30-8E3C-4D2BE6020583}" type="datetimeFigureOut">
               <a:rPr lang="en-US" dirty="0"/>
-              <a:t>9/23/2018</a:t>
+              <a:t>9/24/2018</a:t>
             </a:fld>
             <a:endParaRPr lang="en-US" dirty="0"/>
           </a:p>
@@ -2629,7 +2636,7 @@
             <a:fld id="{87DE6118-2437-4B30-8E3C-4D2BE6020583}" type="datetimeFigureOut">
               <a:rPr lang="en-US" dirty="0"/>
               <a:pPr/>
-              <a:t>9/23/2018</a:t>
+              <a:t>9/24/2018</a:t>
             </a:fld>
             <a:endParaRPr lang="en-US" dirty="0"/>
           </a:p>
@@ -3014,7 +3021,7 @@
             <a:fld id="{87DE6118-2437-4B30-8E3C-4D2BE6020583}" type="datetimeFigureOut">
               <a:rPr lang="en-US" dirty="0"/>
               <a:pPr/>
-              <a:t>9/23/2018</a:t>
+              <a:t>9/24/2018</a:t>
             </a:fld>
             <a:endParaRPr lang="en-US" dirty="0"/>
           </a:p>
@@ -3289,7 +3296,7 @@
             <a:fld id="{87DE6118-2437-4B30-8E3C-4D2BE6020583}" type="datetimeFigureOut">
               <a:rPr lang="en-US" dirty="0"/>
               <a:pPr/>
-              <a:t>9/23/2018</a:t>
+              <a:t>9/24/2018</a:t>
             </a:fld>
             <a:endParaRPr lang="en-US" dirty="0"/>
           </a:p>
@@ -8902,6 +8909,2264 @@
 </p:sld>
 </file>
 
+<file path=ppt/slides/slide8.xml><?xml version="1.0" encoding="utf-8"?>
+<p:sld xmlns:a="http://schemas.openxmlformats.org/drawingml/2006/main" xmlns:r="http://schemas.openxmlformats.org/officeDocument/2006/relationships" xmlns:p="http://schemas.openxmlformats.org/presentationml/2006/main">
+  <p:cSld>
+    <p:spTree>
+      <p:nvGrpSpPr>
+        <p:cNvPr id="1" name=""/>
+        <p:cNvGrpSpPr/>
+        <p:nvPr/>
+      </p:nvGrpSpPr>
+      <p:grpSpPr>
+        <a:xfrm>
+          <a:off x="0" y="0"/>
+          <a:ext cx="0" cy="0"/>
+          <a:chOff x="0" y="0"/>
+          <a:chExt cx="0" cy="0"/>
+        </a:xfrm>
+      </p:grpSpPr>
+      <p:sp>
+        <p:nvSpPr>
+          <p:cNvPr id="2" name="Title 1"/>
+          <p:cNvSpPr>
+            <a:spLocks noGrp="1"/>
+          </p:cNvSpPr>
+          <p:nvPr>
+            <p:ph type="title"/>
+          </p:nvPr>
+        </p:nvSpPr>
+        <p:spPr/>
+        <p:txBody>
+          <a:bodyPr/>
+          <a:lstStyle/>
+          <a:p>
+            <a:r>
+              <a:rPr lang="en-IN" dirty="0"/>
+              <a:t>Files I/O</a:t>
+            </a:r>
+          </a:p>
+        </p:txBody>
+      </p:sp>
+      <p:sp>
+        <p:nvSpPr>
+          <p:cNvPr id="3" name="Content Placeholder 2"/>
+          <p:cNvSpPr>
+            <a:spLocks noGrp="1"/>
+          </p:cNvSpPr>
+          <p:nvPr>
+            <p:ph idx="1"/>
+          </p:nvPr>
+        </p:nvSpPr>
+        <p:spPr/>
+        <p:txBody>
+          <a:bodyPr>
+            <a:normAutofit/>
+          </a:bodyPr>
+          <a:lstStyle/>
+          <a:p>
+            <a:r>
+              <a:rPr lang="en-IN" dirty="0"/>
+              <a:t>Reading Keyboard Input</a:t>
+            </a:r>
+          </a:p>
+          <a:p>
+            <a:pPr lvl="1"/>
+            <a:r>
+              <a:rPr lang="en-IN" dirty="0" smtClean="0"/>
+              <a:t>Input </a:t>
+            </a:r>
+          </a:p>
+          <a:p>
+            <a:r>
+              <a:rPr lang="en-IN" dirty="0"/>
+              <a:t>Opening and Closing Files</a:t>
+            </a:r>
+          </a:p>
+          <a:p>
+            <a:pPr lvl="1"/>
+            <a:r>
+              <a:rPr lang="en-IN" dirty="0"/>
+              <a:t>file object = open(</a:t>
+            </a:r>
+            <a:r>
+              <a:rPr lang="en-IN" dirty="0" err="1"/>
+              <a:t>file_name</a:t>
+            </a:r>
+            <a:r>
+              <a:rPr lang="en-IN" dirty="0"/>
+              <a:t> [, </a:t>
+            </a:r>
+            <a:r>
+              <a:rPr lang="en-IN" dirty="0" err="1"/>
+              <a:t>access_mode</a:t>
+            </a:r>
+            <a:r>
+              <a:rPr lang="en-IN" dirty="0"/>
+              <a:t>][, buffering</a:t>
+            </a:r>
+            <a:r>
+              <a:rPr lang="en-IN" dirty="0" smtClean="0"/>
+              <a:t>])</a:t>
+            </a:r>
+          </a:p>
+          <a:p>
+            <a:pPr lvl="2">
+              <a:buFont typeface="Arial" panose="020B0604020202020204" pitchFamily="34" charset="0"/>
+              <a:buChar char="•"/>
+            </a:pPr>
+            <a:r>
+              <a:rPr lang="en-IN" sz="1200" b="1" dirty="0" err="1"/>
+              <a:t>file_name</a:t>
+            </a:r>
+            <a:r>
+              <a:rPr lang="en-IN" sz="1200" dirty="0"/>
+              <a:t> − The </a:t>
+            </a:r>
+            <a:r>
+              <a:rPr lang="en-IN" sz="1200" dirty="0" err="1"/>
+              <a:t>file_name</a:t>
+            </a:r>
+            <a:r>
+              <a:rPr lang="en-IN" sz="1200" dirty="0"/>
+              <a:t> argument is a string value that contains the name of the file that you want to access.</a:t>
+            </a:r>
+          </a:p>
+          <a:p>
+            <a:pPr lvl="2">
+              <a:buFont typeface="Arial" panose="020B0604020202020204" pitchFamily="34" charset="0"/>
+              <a:buChar char="•"/>
+            </a:pPr>
+            <a:r>
+              <a:rPr lang="en-IN" sz="1200" b="1" dirty="0" err="1"/>
+              <a:t>access_mode</a:t>
+            </a:r>
+            <a:r>
+              <a:rPr lang="en-IN" sz="1200" dirty="0"/>
+              <a:t> − The </a:t>
+            </a:r>
+            <a:r>
+              <a:rPr lang="en-IN" sz="1200" dirty="0" err="1"/>
+              <a:t>access_mode</a:t>
+            </a:r>
+            <a:r>
+              <a:rPr lang="en-IN" sz="1200" dirty="0"/>
+              <a:t> determines the mode in which the file has to be opened, i.e., read, write, append, etc. A complete list of possible values is given below in the table. This is optional parameter and the default file access mode is read (r).</a:t>
+            </a:r>
+          </a:p>
+          <a:p>
+            <a:pPr lvl="2">
+              <a:buFont typeface="Arial" panose="020B0604020202020204" pitchFamily="34" charset="0"/>
+              <a:buChar char="•"/>
+            </a:pPr>
+            <a:r>
+              <a:rPr lang="en-IN" sz="1200" b="1" dirty="0"/>
+              <a:t>buffering</a:t>
+            </a:r>
+            <a:r>
+              <a:rPr lang="en-IN" sz="1200" dirty="0"/>
+              <a:t> − If the buffering value is set to 0, no buffering takes place. If the buffering value is 1, line buffering is performed while accessing a file. If you specify the buffering value as an integer greater than 1, then buffering action is performed with the indicated buffer size. If negative, the buffer size is the system default(default </a:t>
+            </a:r>
+            <a:r>
+              <a:rPr lang="en-IN" sz="1200" dirty="0" err="1"/>
+              <a:t>behavior</a:t>
+            </a:r>
+            <a:r>
+              <a:rPr lang="en-IN" sz="1200" dirty="0"/>
+              <a:t>).</a:t>
+            </a:r>
+          </a:p>
+          <a:p>
+            <a:pPr lvl="1"/>
+            <a:endParaRPr lang="en-IN" dirty="0"/>
+          </a:p>
+        </p:txBody>
+      </p:sp>
+      <p:sp>
+        <p:nvSpPr>
+          <p:cNvPr id="4" name="Rectangle 1"/>
+          <p:cNvSpPr>
+            <a:spLocks noChangeArrowheads="1"/>
+          </p:cNvSpPr>
+          <p:nvPr/>
+        </p:nvSpPr>
+        <p:spPr bwMode="auto">
+          <a:xfrm>
+            <a:off x="5190309" y="2418156"/>
+            <a:ext cx="4772297" cy="584775"/>
+          </a:xfrm>
+          <a:prstGeom prst="rect">
+            <a:avLst/>
+          </a:prstGeom>
+          <a:solidFill>
+            <a:srgbClr val="FFFFFF"/>
+          </a:solidFill>
+          <a:ln>
+            <a:noFill/>
+          </a:ln>
+          <a:effectLst/>
+          <a:extLst>
+            <a:ext uri="{91240B29-F687-4F45-9708-019B960494DF}">
+              <a14:hiddenLine xmlns:a14="http://schemas.microsoft.com/office/drawing/2010/main" w="9525">
+                <a:solidFill>
+                  <a:schemeClr val="tx1"/>
+                </a:solidFill>
+                <a:miter lim="800000"/>
+                <a:headEnd/>
+                <a:tailEnd/>
+              </a14:hiddenLine>
+            </a:ext>
+            <a:ext uri="{AF507438-7753-43E0-B8FC-AC1667EBCBE1}">
+              <a14:hiddenEffects xmlns:a14="http://schemas.microsoft.com/office/drawing/2010/main">
+                <a:effectLst>
+                  <a:outerShdw dist="35921" dir="2700000" algn="ctr" rotWithShape="0">
+                    <a:schemeClr val="bg2"/>
+                  </a:outerShdw>
+                </a:effectLst>
+              </a14:hiddenEffects>
+            </a:ext>
+          </a:extLst>
+        </p:spPr>
+        <p:txBody>
+          <a:bodyPr vert="horz" wrap="square" lIns="91440" tIns="45720" rIns="91440" bIns="45720" numCol="1" anchor="ctr" anchorCtr="0" compatLnSpc="1">
+            <a:prstTxWarp prst="textNoShape">
+              <a:avLst/>
+            </a:prstTxWarp>
+            <a:spAutoFit/>
+          </a:bodyPr>
+          <a:lstStyle/>
+          <a:p>
+            <a:pPr marL="0" marR="0" lvl="0" indent="0" algn="l" defTabSz="914400" rtl="0" eaLnBrk="0" fontAlgn="base" latinLnBrk="0" hangingPunct="0">
+              <a:lnSpc>
+                <a:spcPct val="100000"/>
+              </a:lnSpc>
+              <a:spcBef>
+                <a:spcPct val="0"/>
+              </a:spcBef>
+              <a:spcAft>
+                <a:spcPct val="0"/>
+              </a:spcAft>
+              <a:buClrTx/>
+              <a:buSzTx/>
+              <a:buFontTx/>
+              <a:buNone/>
+              <a:tabLst/>
+            </a:pPr>
+            <a:r>
+              <a:rPr kumimoji="0" lang="en-US" altLang="en-US" sz="1600" b="0" i="0" u="none" strike="noStrike" cap="none" normalizeH="0" baseline="0" dirty="0" err="1" smtClean="0">
+                <a:ln>
+                  <a:noFill/>
+                </a:ln>
+                <a:solidFill>
+                  <a:srgbClr val="000000"/>
+                </a:solidFill>
+                <a:effectLst/>
+                <a:latin typeface="Courier New" panose="02070309020205020404" pitchFamily="49" charset="0"/>
+                <a:cs typeface="Courier New" panose="02070309020205020404" pitchFamily="49" charset="0"/>
+              </a:rPr>
+              <a:t>fname</a:t>
+            </a:r>
+            <a:r>
+              <a:rPr kumimoji="0" lang="en-US" altLang="en-US" sz="1600" b="0" i="0" u="none" strike="noStrike" cap="none" normalizeH="0" baseline="0" dirty="0" smtClean="0">
+                <a:ln>
+                  <a:noFill/>
+                </a:ln>
+                <a:solidFill>
+                  <a:srgbClr val="000000"/>
+                </a:solidFill>
+                <a:effectLst/>
+                <a:latin typeface="Courier New" panose="02070309020205020404" pitchFamily="49" charset="0"/>
+                <a:cs typeface="Courier New" panose="02070309020205020404" pitchFamily="49" charset="0"/>
+              </a:rPr>
+              <a:t> = </a:t>
+            </a:r>
+            <a:r>
+              <a:rPr kumimoji="0" lang="en-US" altLang="en-US" sz="1600" b="0" i="0" u="none" strike="noStrike" cap="none" normalizeH="0" baseline="0" dirty="0" smtClean="0">
+                <a:ln>
+                  <a:noFill/>
+                </a:ln>
+                <a:solidFill>
+                  <a:srgbClr val="000080"/>
+                </a:solidFill>
+                <a:effectLst/>
+                <a:latin typeface="Courier New" panose="02070309020205020404" pitchFamily="49" charset="0"/>
+                <a:cs typeface="Courier New" panose="02070309020205020404" pitchFamily="49" charset="0"/>
+              </a:rPr>
+              <a:t>input</a:t>
+            </a:r>
+            <a:r>
+              <a:rPr kumimoji="0" lang="en-US" altLang="en-US" sz="1600" b="0" i="0" u="none" strike="noStrike" cap="none" normalizeH="0" baseline="0" dirty="0" smtClean="0">
+                <a:ln>
+                  <a:noFill/>
+                </a:ln>
+                <a:solidFill>
+                  <a:srgbClr val="000000"/>
+                </a:solidFill>
+                <a:effectLst/>
+                <a:latin typeface="Courier New" panose="02070309020205020404" pitchFamily="49" charset="0"/>
+                <a:cs typeface="Courier New" panose="02070309020205020404" pitchFamily="49" charset="0"/>
+              </a:rPr>
+              <a:t>(</a:t>
+            </a:r>
+            <a:r>
+              <a:rPr kumimoji="0" lang="en-US" altLang="en-US" sz="1600" b="1" i="0" u="none" strike="noStrike" cap="none" normalizeH="0" baseline="0" dirty="0" smtClean="0">
+                <a:ln>
+                  <a:noFill/>
+                </a:ln>
+                <a:solidFill>
+                  <a:srgbClr val="008080"/>
+                </a:solidFill>
+                <a:effectLst/>
+                <a:latin typeface="Courier New" panose="02070309020205020404" pitchFamily="49" charset="0"/>
+                <a:cs typeface="Courier New" panose="02070309020205020404" pitchFamily="49" charset="0"/>
+              </a:rPr>
+              <a:t>"Enter your name: "</a:t>
+            </a:r>
+            <a:r>
+              <a:rPr kumimoji="0" lang="en-US" altLang="en-US" sz="1600" b="0" i="0" u="none" strike="noStrike" cap="none" normalizeH="0" baseline="0" dirty="0" smtClean="0">
+                <a:ln>
+                  <a:noFill/>
+                </a:ln>
+                <a:solidFill>
+                  <a:srgbClr val="000000"/>
+                </a:solidFill>
+                <a:effectLst/>
+                <a:latin typeface="Courier New" panose="02070309020205020404" pitchFamily="49" charset="0"/>
+                <a:cs typeface="Courier New" panose="02070309020205020404" pitchFamily="49" charset="0"/>
+              </a:rPr>
+              <a:t>)</a:t>
+            </a:r>
+            <a:br>
+              <a:rPr kumimoji="0" lang="en-US" altLang="en-US" sz="1600" b="0" i="0" u="none" strike="noStrike" cap="none" normalizeH="0" baseline="0" dirty="0" smtClean="0">
+                <a:ln>
+                  <a:noFill/>
+                </a:ln>
+                <a:solidFill>
+                  <a:srgbClr val="000000"/>
+                </a:solidFill>
+                <a:effectLst/>
+                <a:latin typeface="Courier New" panose="02070309020205020404" pitchFamily="49" charset="0"/>
+                <a:cs typeface="Courier New" panose="02070309020205020404" pitchFamily="49" charset="0"/>
+              </a:rPr>
+            </a:br>
+            <a:r>
+              <a:rPr kumimoji="0" lang="en-US" altLang="en-US" sz="1600" b="0" i="0" u="none" strike="noStrike" cap="none" normalizeH="0" baseline="0" dirty="0" smtClean="0">
+                <a:ln>
+                  <a:noFill/>
+                </a:ln>
+                <a:solidFill>
+                  <a:srgbClr val="000080"/>
+                </a:solidFill>
+                <a:effectLst/>
+                <a:latin typeface="Courier New" panose="02070309020205020404" pitchFamily="49" charset="0"/>
+                <a:cs typeface="Courier New" panose="02070309020205020404" pitchFamily="49" charset="0"/>
+              </a:rPr>
+              <a:t>print </a:t>
+            </a:r>
+            <a:r>
+              <a:rPr kumimoji="0" lang="en-US" altLang="en-US" sz="1600" b="0" i="0" u="none" strike="noStrike" cap="none" normalizeH="0" baseline="0" dirty="0" smtClean="0">
+                <a:ln>
+                  <a:noFill/>
+                </a:ln>
+                <a:solidFill>
+                  <a:srgbClr val="000000"/>
+                </a:solidFill>
+                <a:effectLst/>
+                <a:latin typeface="Courier New" panose="02070309020205020404" pitchFamily="49" charset="0"/>
+                <a:cs typeface="Courier New" panose="02070309020205020404" pitchFamily="49" charset="0"/>
+              </a:rPr>
+              <a:t>(</a:t>
+            </a:r>
+            <a:r>
+              <a:rPr kumimoji="0" lang="en-US" altLang="en-US" sz="1600" b="1" i="0" u="none" strike="noStrike" cap="none" normalizeH="0" baseline="0" dirty="0" smtClean="0">
+                <a:ln>
+                  <a:noFill/>
+                </a:ln>
+                <a:solidFill>
+                  <a:srgbClr val="008080"/>
+                </a:solidFill>
+                <a:effectLst/>
+                <a:latin typeface="Courier New" panose="02070309020205020404" pitchFamily="49" charset="0"/>
+                <a:cs typeface="Courier New" panose="02070309020205020404" pitchFamily="49" charset="0"/>
+              </a:rPr>
+              <a:t>"First Name : "</a:t>
+            </a:r>
+            <a:r>
+              <a:rPr kumimoji="0" lang="en-US" altLang="en-US" sz="1600" b="0" i="0" u="none" strike="noStrike" cap="none" normalizeH="0" baseline="0" dirty="0" smtClean="0">
+                <a:ln>
+                  <a:noFill/>
+                </a:ln>
+                <a:solidFill>
+                  <a:srgbClr val="000000"/>
+                </a:solidFill>
+                <a:effectLst/>
+                <a:latin typeface="Courier New" panose="02070309020205020404" pitchFamily="49" charset="0"/>
+                <a:cs typeface="Courier New" panose="02070309020205020404" pitchFamily="49" charset="0"/>
+              </a:rPr>
+              <a:t>, </a:t>
+            </a:r>
+            <a:r>
+              <a:rPr kumimoji="0" lang="en-US" altLang="en-US" sz="1600" b="0" i="0" u="none" strike="noStrike" cap="none" normalizeH="0" baseline="0" dirty="0" err="1" smtClean="0">
+                <a:ln>
+                  <a:noFill/>
+                </a:ln>
+                <a:solidFill>
+                  <a:srgbClr val="000000"/>
+                </a:solidFill>
+                <a:effectLst/>
+                <a:latin typeface="Courier New" panose="02070309020205020404" pitchFamily="49" charset="0"/>
+                <a:cs typeface="Courier New" panose="02070309020205020404" pitchFamily="49" charset="0"/>
+              </a:rPr>
+              <a:t>fname</a:t>
+            </a:r>
+            <a:r>
+              <a:rPr kumimoji="0" lang="en-US" altLang="en-US" sz="1600" b="0" i="0" u="none" strike="noStrike" cap="none" normalizeH="0" baseline="0" dirty="0" smtClean="0">
+                <a:ln>
+                  <a:noFill/>
+                </a:ln>
+                <a:solidFill>
+                  <a:srgbClr val="000000"/>
+                </a:solidFill>
+                <a:effectLst/>
+                <a:latin typeface="Courier New" panose="02070309020205020404" pitchFamily="49" charset="0"/>
+                <a:cs typeface="Courier New" panose="02070309020205020404" pitchFamily="49" charset="0"/>
+              </a:rPr>
+              <a:t>)</a:t>
+            </a:r>
+            <a:endParaRPr kumimoji="0" lang="en-US" altLang="en-US" sz="1800" b="0" i="0" u="none" strike="noStrike" cap="none" normalizeH="0" baseline="0" dirty="0" smtClean="0">
+              <a:ln>
+                <a:noFill/>
+              </a:ln>
+              <a:solidFill>
+                <a:schemeClr val="tx1"/>
+              </a:solidFill>
+              <a:effectLst/>
+              <a:latin typeface="Arial" panose="020B0604020202020204" pitchFamily="34" charset="0"/>
+            </a:endParaRPr>
+          </a:p>
+        </p:txBody>
+      </p:sp>
+    </p:spTree>
+    <p:extLst>
+      <p:ext uri="{BB962C8B-B14F-4D97-AF65-F5344CB8AC3E}">
+        <p14:creationId xmlns:p14="http://schemas.microsoft.com/office/powerpoint/2010/main" val="1187473132"/>
+      </p:ext>
+    </p:extLst>
+  </p:cSld>
+  <p:clrMapOvr>
+    <a:masterClrMapping/>
+  </p:clrMapOvr>
+</p:sld>
+</file>
+
+<file path=ppt/slides/slide9.xml><?xml version="1.0" encoding="utf-8"?>
+<p:sld xmlns:a="http://schemas.openxmlformats.org/drawingml/2006/main" xmlns:r="http://schemas.openxmlformats.org/officeDocument/2006/relationships" xmlns:p="http://schemas.openxmlformats.org/presentationml/2006/main">
+  <p:cSld>
+    <p:spTree>
+      <p:nvGrpSpPr>
+        <p:cNvPr id="1" name=""/>
+        <p:cNvGrpSpPr/>
+        <p:nvPr/>
+      </p:nvGrpSpPr>
+      <p:grpSpPr>
+        <a:xfrm>
+          <a:off x="0" y="0"/>
+          <a:ext cx="0" cy="0"/>
+          <a:chOff x="0" y="0"/>
+          <a:chExt cx="0" cy="0"/>
+        </a:xfrm>
+      </p:grpSpPr>
+      <p:graphicFrame>
+        <p:nvGraphicFramePr>
+          <p:cNvPr id="4" name="Table 3"/>
+          <p:cNvGraphicFramePr>
+            <a:graphicFrameLocks noGrp="1"/>
+          </p:cNvGraphicFramePr>
+          <p:nvPr>
+            <p:extLst>
+              <p:ext uri="{D42A27DB-BD31-4B8C-83A1-F6EECF244321}">
+                <p14:modId xmlns:p14="http://schemas.microsoft.com/office/powerpoint/2010/main" val="3798698478"/>
+              </p:ext>
+            </p:extLst>
+          </p:nvPr>
+        </p:nvGraphicFramePr>
+        <p:xfrm>
+          <a:off x="2046510" y="609601"/>
+          <a:ext cx="9501055" cy="5763099"/>
+        </p:xfrm>
+        <a:graphic>
+          <a:graphicData uri="http://schemas.openxmlformats.org/drawingml/2006/table">
+            <a:tbl>
+              <a:tblPr/>
+              <a:tblGrid>
+                <a:gridCol w="734725">
+                  <a:extLst>
+                    <a:ext uri="{9D8B030D-6E8A-4147-A177-3AD203B41FA5}">
+                      <a16:colId xmlns:a16="http://schemas.microsoft.com/office/drawing/2014/main" val="1021789878"/>
+                    </a:ext>
+                  </a:extLst>
+                </a:gridCol>
+                <a:gridCol w="8766330">
+                  <a:extLst>
+                    <a:ext uri="{9D8B030D-6E8A-4147-A177-3AD203B41FA5}">
+                      <a16:colId xmlns:a16="http://schemas.microsoft.com/office/drawing/2014/main" val="4264578417"/>
+                    </a:ext>
+                  </a:extLst>
+                </a:gridCol>
+              </a:tblGrid>
+              <a:tr h="69295">
+                <a:tc>
+                  <a:txBody>
+                    <a:bodyPr/>
+                    <a:lstStyle/>
+                    <a:p>
+                      <a:pPr algn="ctr" fontAlgn="t"/>
+                      <a:r>
+                        <a:rPr lang="en-IN" sz="1200" b="1">
+                          <a:effectLst/>
+                        </a:rPr>
+                        <a:t>Sr.No.</a:t>
+                      </a:r>
+                    </a:p>
+                  </a:txBody>
+                  <a:tcPr marL="7120" marR="7120" marT="7120" marB="7120">
+                    <a:lnL w="7620" cap="flat" cmpd="sng" algn="ctr">
+                      <a:solidFill>
+                        <a:srgbClr val="DDDDDD"/>
+                      </a:solidFill>
+                      <a:prstDash val="solid"/>
+                      <a:round/>
+                      <a:headEnd type="none" w="med" len="med"/>
+                      <a:tailEnd type="none" w="med" len="med"/>
+                    </a:lnL>
+                    <a:lnR w="7620" cap="flat" cmpd="sng" algn="ctr">
+                      <a:solidFill>
+                        <a:srgbClr val="DDDDDD"/>
+                      </a:solidFill>
+                      <a:prstDash val="solid"/>
+                      <a:round/>
+                      <a:headEnd type="none" w="med" len="med"/>
+                      <a:tailEnd type="none" w="med" len="med"/>
+                    </a:lnR>
+                    <a:lnT w="7620" cap="flat" cmpd="sng" algn="ctr">
+                      <a:solidFill>
+                        <a:srgbClr val="DDDDDD"/>
+                      </a:solidFill>
+                      <a:prstDash val="solid"/>
+                      <a:round/>
+                      <a:headEnd type="none" w="med" len="med"/>
+                      <a:tailEnd type="none" w="med" len="med"/>
+                    </a:lnT>
+                    <a:lnB w="7620" cap="flat" cmpd="sng" algn="ctr">
+                      <a:solidFill>
+                        <a:srgbClr val="DDDDDD"/>
+                      </a:solidFill>
+                      <a:prstDash val="solid"/>
+                      <a:round/>
+                      <a:headEnd type="none" w="med" len="med"/>
+                      <a:tailEnd type="none" w="med" len="med"/>
+                    </a:lnB>
+                    <a:solidFill>
+                      <a:srgbClr val="EEEEEE"/>
+                    </a:solidFill>
+                  </a:tcPr>
+                </a:tc>
+                <a:tc>
+                  <a:txBody>
+                    <a:bodyPr/>
+                    <a:lstStyle/>
+                    <a:p>
+                      <a:pPr algn="ctr" fontAlgn="t"/>
+                      <a:r>
+                        <a:rPr lang="en-IN" sz="1200" b="1" dirty="0">
+                          <a:effectLst/>
+                        </a:rPr>
+                        <a:t>Modes &amp; Description</a:t>
+                      </a:r>
+                    </a:p>
+                  </a:txBody>
+                  <a:tcPr marL="7120" marR="7120" marT="7120" marB="7120">
+                    <a:lnL w="7620" cap="flat" cmpd="sng" algn="ctr">
+                      <a:solidFill>
+                        <a:srgbClr val="DDDDDD"/>
+                      </a:solidFill>
+                      <a:prstDash val="solid"/>
+                      <a:round/>
+                      <a:headEnd type="none" w="med" len="med"/>
+                      <a:tailEnd type="none" w="med" len="med"/>
+                    </a:lnL>
+                    <a:lnR w="7620" cap="flat" cmpd="sng" algn="ctr">
+                      <a:solidFill>
+                        <a:srgbClr val="DDDDDD"/>
+                      </a:solidFill>
+                      <a:prstDash val="solid"/>
+                      <a:round/>
+                      <a:headEnd type="none" w="med" len="med"/>
+                      <a:tailEnd type="none" w="med" len="med"/>
+                    </a:lnR>
+                    <a:lnT w="7620" cap="flat" cmpd="sng" algn="ctr">
+                      <a:solidFill>
+                        <a:srgbClr val="DDDDDD"/>
+                      </a:solidFill>
+                      <a:prstDash val="solid"/>
+                      <a:round/>
+                      <a:headEnd type="none" w="med" len="med"/>
+                      <a:tailEnd type="none" w="med" len="med"/>
+                    </a:lnT>
+                    <a:lnB w="7620" cap="flat" cmpd="sng" algn="ctr">
+                      <a:solidFill>
+                        <a:srgbClr val="DDDDDD"/>
+                      </a:solidFill>
+                      <a:prstDash val="solid"/>
+                      <a:round/>
+                      <a:headEnd type="none" w="med" len="med"/>
+                      <a:tailEnd type="none" w="med" len="med"/>
+                    </a:lnB>
+                    <a:solidFill>
+                      <a:srgbClr val="EEEEEE"/>
+                    </a:solidFill>
+                  </a:tcPr>
+                </a:tc>
+                <a:extLst>
+                  <a:ext uri="{0D108BD9-81ED-4DB2-BD59-A6C34878D82A}">
+                    <a16:rowId xmlns:a16="http://schemas.microsoft.com/office/drawing/2014/main" val="674394503"/>
+                  </a:ext>
+                </a:extLst>
+              </a:tr>
+              <a:tr h="357132">
+                <a:tc>
+                  <a:txBody>
+                    <a:bodyPr/>
+                    <a:lstStyle/>
+                    <a:p>
+                      <a:pPr algn="ctr" fontAlgn="t"/>
+                      <a:r>
+                        <a:rPr lang="en-IN" sz="1100">
+                          <a:effectLst/>
+                        </a:rPr>
+                        <a:t>1</a:t>
+                      </a:r>
+                    </a:p>
+                  </a:txBody>
+                  <a:tcPr marL="7120" marR="7120" marT="7120" marB="7120">
+                    <a:lnL w="7620" cap="flat" cmpd="sng" algn="ctr">
+                      <a:solidFill>
+                        <a:srgbClr val="DDDDDD"/>
+                      </a:solidFill>
+                      <a:prstDash val="solid"/>
+                      <a:round/>
+                      <a:headEnd type="none" w="med" len="med"/>
+                      <a:tailEnd type="none" w="med" len="med"/>
+                    </a:lnL>
+                    <a:lnR w="7620" cap="flat" cmpd="sng" algn="ctr">
+                      <a:solidFill>
+                        <a:srgbClr val="DDDDDD"/>
+                      </a:solidFill>
+                      <a:prstDash val="solid"/>
+                      <a:round/>
+                      <a:headEnd type="none" w="med" len="med"/>
+                      <a:tailEnd type="none" w="med" len="med"/>
+                    </a:lnR>
+                    <a:lnT w="7620" cap="flat" cmpd="sng" algn="ctr">
+                      <a:solidFill>
+                        <a:srgbClr val="DDDDDD"/>
+                      </a:solidFill>
+                      <a:prstDash val="solid"/>
+                      <a:round/>
+                      <a:headEnd type="none" w="med" len="med"/>
+                      <a:tailEnd type="none" w="med" len="med"/>
+                    </a:lnT>
+                    <a:lnB w="7620" cap="flat" cmpd="sng" algn="ctr">
+                      <a:solidFill>
+                        <a:srgbClr val="DDDDDD"/>
+                      </a:solidFill>
+                      <a:prstDash val="solid"/>
+                      <a:round/>
+                      <a:headEnd type="none" w="med" len="med"/>
+                      <a:tailEnd type="none" w="med" len="med"/>
+                    </a:lnB>
+                  </a:tcPr>
+                </a:tc>
+                <a:tc>
+                  <a:txBody>
+                    <a:bodyPr/>
+                    <a:lstStyle/>
+                    <a:p>
+                      <a:pPr lvl="1" algn="just" fontAlgn="t"/>
+                      <a:r>
+                        <a:rPr lang="en-IN" sz="1100" b="1" dirty="0">
+                          <a:solidFill>
+                            <a:srgbClr val="000000"/>
+                          </a:solidFill>
+                          <a:effectLst/>
+                        </a:rPr>
+                        <a:t>r</a:t>
+                      </a:r>
+                      <a:endParaRPr lang="en-IN" sz="1100" dirty="0">
+                        <a:solidFill>
+                          <a:srgbClr val="000000"/>
+                        </a:solidFill>
+                        <a:effectLst/>
+                      </a:endParaRPr>
+                    </a:p>
+                    <a:p>
+                      <a:pPr lvl="1" algn="just" fontAlgn="t"/>
+                      <a:r>
+                        <a:rPr lang="en-IN" sz="1100" dirty="0">
+                          <a:solidFill>
+                            <a:srgbClr val="000000"/>
+                          </a:solidFill>
+                          <a:effectLst/>
+                        </a:rPr>
+                        <a:t>Opens a file for reading only. The file pointer is placed at the beginning of the file. This is the default mode.</a:t>
+                      </a:r>
+                    </a:p>
+                  </a:txBody>
+                  <a:tcPr marL="7120" marR="7120" marT="7120" marB="7120">
+                    <a:lnL w="7620" cap="flat" cmpd="sng" algn="ctr">
+                      <a:solidFill>
+                        <a:srgbClr val="DDDDDD"/>
+                      </a:solidFill>
+                      <a:prstDash val="solid"/>
+                      <a:round/>
+                      <a:headEnd type="none" w="med" len="med"/>
+                      <a:tailEnd type="none" w="med" len="med"/>
+                    </a:lnL>
+                    <a:lnR w="7620" cap="flat" cmpd="sng" algn="ctr">
+                      <a:solidFill>
+                        <a:srgbClr val="DDDDDD"/>
+                      </a:solidFill>
+                      <a:prstDash val="solid"/>
+                      <a:round/>
+                      <a:headEnd type="none" w="med" len="med"/>
+                      <a:tailEnd type="none" w="med" len="med"/>
+                    </a:lnR>
+                    <a:lnT w="7620" cap="flat" cmpd="sng" algn="ctr">
+                      <a:solidFill>
+                        <a:srgbClr val="DDDDDD"/>
+                      </a:solidFill>
+                      <a:prstDash val="solid"/>
+                      <a:round/>
+                      <a:headEnd type="none" w="med" len="med"/>
+                      <a:tailEnd type="none" w="med" len="med"/>
+                    </a:lnT>
+                    <a:lnB w="7620" cap="flat" cmpd="sng" algn="ctr">
+                      <a:solidFill>
+                        <a:srgbClr val="DDDDDD"/>
+                      </a:solidFill>
+                      <a:prstDash val="solid"/>
+                      <a:round/>
+                      <a:headEnd type="none" w="med" len="med"/>
+                      <a:tailEnd type="none" w="med" len="med"/>
+                    </a:lnB>
+                  </a:tcPr>
+                </a:tc>
+                <a:extLst>
+                  <a:ext uri="{0D108BD9-81ED-4DB2-BD59-A6C34878D82A}">
+                    <a16:rowId xmlns:a16="http://schemas.microsoft.com/office/drawing/2014/main" val="3512725633"/>
+                  </a:ext>
+                </a:extLst>
+              </a:tr>
+              <a:tr h="405104">
+                <a:tc>
+                  <a:txBody>
+                    <a:bodyPr/>
+                    <a:lstStyle/>
+                    <a:p>
+                      <a:pPr algn="ctr" fontAlgn="t"/>
+                      <a:r>
+                        <a:rPr lang="en-IN" sz="1100">
+                          <a:effectLst/>
+                        </a:rPr>
+                        <a:t>2</a:t>
+                      </a:r>
+                    </a:p>
+                  </a:txBody>
+                  <a:tcPr marL="7120" marR="7120" marT="7120" marB="7120">
+                    <a:lnL w="7620" cap="flat" cmpd="sng" algn="ctr">
+                      <a:solidFill>
+                        <a:srgbClr val="DDDDDD"/>
+                      </a:solidFill>
+                      <a:prstDash val="solid"/>
+                      <a:round/>
+                      <a:headEnd type="none" w="med" len="med"/>
+                      <a:tailEnd type="none" w="med" len="med"/>
+                    </a:lnL>
+                    <a:lnR w="7620" cap="flat" cmpd="sng" algn="ctr">
+                      <a:solidFill>
+                        <a:srgbClr val="DDDDDD"/>
+                      </a:solidFill>
+                      <a:prstDash val="solid"/>
+                      <a:round/>
+                      <a:headEnd type="none" w="med" len="med"/>
+                      <a:tailEnd type="none" w="med" len="med"/>
+                    </a:lnR>
+                    <a:lnT w="7620" cap="flat" cmpd="sng" algn="ctr">
+                      <a:solidFill>
+                        <a:srgbClr val="DDDDDD"/>
+                      </a:solidFill>
+                      <a:prstDash val="solid"/>
+                      <a:round/>
+                      <a:headEnd type="none" w="med" len="med"/>
+                      <a:tailEnd type="none" w="med" len="med"/>
+                    </a:lnT>
+                    <a:lnB w="7620" cap="flat" cmpd="sng" algn="ctr">
+                      <a:solidFill>
+                        <a:srgbClr val="DDDDDD"/>
+                      </a:solidFill>
+                      <a:prstDash val="solid"/>
+                      <a:round/>
+                      <a:headEnd type="none" w="med" len="med"/>
+                      <a:tailEnd type="none" w="med" len="med"/>
+                    </a:lnB>
+                  </a:tcPr>
+                </a:tc>
+                <a:tc>
+                  <a:txBody>
+                    <a:bodyPr/>
+                    <a:lstStyle/>
+                    <a:p>
+                      <a:pPr lvl="1" algn="just" fontAlgn="t"/>
+                      <a:r>
+                        <a:rPr lang="en-IN" sz="1100" b="1" dirty="0" err="1">
+                          <a:solidFill>
+                            <a:srgbClr val="000000"/>
+                          </a:solidFill>
+                          <a:effectLst/>
+                        </a:rPr>
+                        <a:t>rb</a:t>
+                      </a:r>
+                      <a:endParaRPr lang="en-IN" sz="1100" dirty="0">
+                        <a:solidFill>
+                          <a:srgbClr val="000000"/>
+                        </a:solidFill>
+                        <a:effectLst/>
+                      </a:endParaRPr>
+                    </a:p>
+                    <a:p>
+                      <a:pPr lvl="1" algn="just" fontAlgn="t"/>
+                      <a:r>
+                        <a:rPr lang="en-IN" sz="1100" dirty="0">
+                          <a:solidFill>
+                            <a:srgbClr val="000000"/>
+                          </a:solidFill>
+                          <a:effectLst/>
+                        </a:rPr>
+                        <a:t>Opens a file for reading only in binary format. The file pointer is placed at the beginning of the file. This is the default mode.</a:t>
+                      </a:r>
+                    </a:p>
+                  </a:txBody>
+                  <a:tcPr marL="7120" marR="7120" marT="7120" marB="7120">
+                    <a:lnL w="7620" cap="flat" cmpd="sng" algn="ctr">
+                      <a:solidFill>
+                        <a:srgbClr val="DDDDDD"/>
+                      </a:solidFill>
+                      <a:prstDash val="solid"/>
+                      <a:round/>
+                      <a:headEnd type="none" w="med" len="med"/>
+                      <a:tailEnd type="none" w="med" len="med"/>
+                    </a:lnL>
+                    <a:lnR w="7620" cap="flat" cmpd="sng" algn="ctr">
+                      <a:solidFill>
+                        <a:srgbClr val="DDDDDD"/>
+                      </a:solidFill>
+                      <a:prstDash val="solid"/>
+                      <a:round/>
+                      <a:headEnd type="none" w="med" len="med"/>
+                      <a:tailEnd type="none" w="med" len="med"/>
+                    </a:lnR>
+                    <a:lnT w="7620" cap="flat" cmpd="sng" algn="ctr">
+                      <a:solidFill>
+                        <a:srgbClr val="DDDDDD"/>
+                      </a:solidFill>
+                      <a:prstDash val="solid"/>
+                      <a:round/>
+                      <a:headEnd type="none" w="med" len="med"/>
+                      <a:tailEnd type="none" w="med" len="med"/>
+                    </a:lnT>
+                    <a:lnB w="7620" cap="flat" cmpd="sng" algn="ctr">
+                      <a:solidFill>
+                        <a:srgbClr val="DDDDDD"/>
+                      </a:solidFill>
+                      <a:prstDash val="solid"/>
+                      <a:round/>
+                      <a:headEnd type="none" w="med" len="med"/>
+                      <a:tailEnd type="none" w="med" len="med"/>
+                    </a:lnB>
+                  </a:tcPr>
+                </a:tc>
+                <a:extLst>
+                  <a:ext uri="{0D108BD9-81ED-4DB2-BD59-A6C34878D82A}">
+                    <a16:rowId xmlns:a16="http://schemas.microsoft.com/office/drawing/2014/main" val="1610885231"/>
+                  </a:ext>
+                </a:extLst>
+              </a:tr>
+              <a:tr h="309158">
+                <a:tc>
+                  <a:txBody>
+                    <a:bodyPr/>
+                    <a:lstStyle/>
+                    <a:p>
+                      <a:pPr algn="ctr" fontAlgn="t"/>
+                      <a:r>
+                        <a:rPr lang="en-IN" sz="1100">
+                          <a:effectLst/>
+                        </a:rPr>
+                        <a:t>3</a:t>
+                      </a:r>
+                    </a:p>
+                  </a:txBody>
+                  <a:tcPr marL="7120" marR="7120" marT="7120" marB="7120">
+                    <a:lnL w="7620" cap="flat" cmpd="sng" algn="ctr">
+                      <a:solidFill>
+                        <a:srgbClr val="DDDDDD"/>
+                      </a:solidFill>
+                      <a:prstDash val="solid"/>
+                      <a:round/>
+                      <a:headEnd type="none" w="med" len="med"/>
+                      <a:tailEnd type="none" w="med" len="med"/>
+                    </a:lnL>
+                    <a:lnR w="7620" cap="flat" cmpd="sng" algn="ctr">
+                      <a:solidFill>
+                        <a:srgbClr val="DDDDDD"/>
+                      </a:solidFill>
+                      <a:prstDash val="solid"/>
+                      <a:round/>
+                      <a:headEnd type="none" w="med" len="med"/>
+                      <a:tailEnd type="none" w="med" len="med"/>
+                    </a:lnR>
+                    <a:lnT w="7620" cap="flat" cmpd="sng" algn="ctr">
+                      <a:solidFill>
+                        <a:srgbClr val="DDDDDD"/>
+                      </a:solidFill>
+                      <a:prstDash val="solid"/>
+                      <a:round/>
+                      <a:headEnd type="none" w="med" len="med"/>
+                      <a:tailEnd type="none" w="med" len="med"/>
+                    </a:lnT>
+                    <a:lnB w="7620" cap="flat" cmpd="sng" algn="ctr">
+                      <a:solidFill>
+                        <a:srgbClr val="DDDDDD"/>
+                      </a:solidFill>
+                      <a:prstDash val="solid"/>
+                      <a:round/>
+                      <a:headEnd type="none" w="med" len="med"/>
+                      <a:tailEnd type="none" w="med" len="med"/>
+                    </a:lnB>
+                  </a:tcPr>
+                </a:tc>
+                <a:tc>
+                  <a:txBody>
+                    <a:bodyPr/>
+                    <a:lstStyle/>
+                    <a:p>
+                      <a:pPr lvl="1" algn="just" fontAlgn="t"/>
+                      <a:r>
+                        <a:rPr lang="en-IN" sz="1100" b="1" dirty="0">
+                          <a:solidFill>
+                            <a:srgbClr val="000000"/>
+                          </a:solidFill>
+                          <a:effectLst/>
+                        </a:rPr>
+                        <a:t>r+</a:t>
+                      </a:r>
+                      <a:endParaRPr lang="en-IN" sz="1100" dirty="0">
+                        <a:solidFill>
+                          <a:srgbClr val="000000"/>
+                        </a:solidFill>
+                        <a:effectLst/>
+                      </a:endParaRPr>
+                    </a:p>
+                    <a:p>
+                      <a:pPr lvl="1" algn="just" fontAlgn="t"/>
+                      <a:r>
+                        <a:rPr lang="en-IN" sz="1100" dirty="0">
+                          <a:solidFill>
+                            <a:srgbClr val="000000"/>
+                          </a:solidFill>
+                          <a:effectLst/>
+                        </a:rPr>
+                        <a:t>Opens a file for both reading and writing. The file pointer placed at the beginning of the file.</a:t>
+                      </a:r>
+                    </a:p>
+                  </a:txBody>
+                  <a:tcPr marL="7120" marR="7120" marT="7120" marB="7120">
+                    <a:lnL w="7620" cap="flat" cmpd="sng" algn="ctr">
+                      <a:solidFill>
+                        <a:srgbClr val="DDDDDD"/>
+                      </a:solidFill>
+                      <a:prstDash val="solid"/>
+                      <a:round/>
+                      <a:headEnd type="none" w="med" len="med"/>
+                      <a:tailEnd type="none" w="med" len="med"/>
+                    </a:lnL>
+                    <a:lnR w="7620" cap="flat" cmpd="sng" algn="ctr">
+                      <a:solidFill>
+                        <a:srgbClr val="DDDDDD"/>
+                      </a:solidFill>
+                      <a:prstDash val="solid"/>
+                      <a:round/>
+                      <a:headEnd type="none" w="med" len="med"/>
+                      <a:tailEnd type="none" w="med" len="med"/>
+                    </a:lnR>
+                    <a:lnT w="7620" cap="flat" cmpd="sng" algn="ctr">
+                      <a:solidFill>
+                        <a:srgbClr val="DDDDDD"/>
+                      </a:solidFill>
+                      <a:prstDash val="solid"/>
+                      <a:round/>
+                      <a:headEnd type="none" w="med" len="med"/>
+                      <a:tailEnd type="none" w="med" len="med"/>
+                    </a:lnT>
+                    <a:lnB w="7620" cap="flat" cmpd="sng" algn="ctr">
+                      <a:solidFill>
+                        <a:srgbClr val="DDDDDD"/>
+                      </a:solidFill>
+                      <a:prstDash val="solid"/>
+                      <a:round/>
+                      <a:headEnd type="none" w="med" len="med"/>
+                      <a:tailEnd type="none" w="med" len="med"/>
+                    </a:lnB>
+                  </a:tcPr>
+                </a:tc>
+                <a:extLst>
+                  <a:ext uri="{0D108BD9-81ED-4DB2-BD59-A6C34878D82A}">
+                    <a16:rowId xmlns:a16="http://schemas.microsoft.com/office/drawing/2014/main" val="3170797170"/>
+                  </a:ext>
+                </a:extLst>
+              </a:tr>
+              <a:tr h="309158">
+                <a:tc>
+                  <a:txBody>
+                    <a:bodyPr/>
+                    <a:lstStyle/>
+                    <a:p>
+                      <a:pPr algn="ctr" fontAlgn="t"/>
+                      <a:r>
+                        <a:rPr lang="en-IN" sz="1100">
+                          <a:effectLst/>
+                        </a:rPr>
+                        <a:t>4</a:t>
+                      </a:r>
+                    </a:p>
+                  </a:txBody>
+                  <a:tcPr marL="7120" marR="7120" marT="7120" marB="7120">
+                    <a:lnL w="7620" cap="flat" cmpd="sng" algn="ctr">
+                      <a:solidFill>
+                        <a:srgbClr val="DDDDDD"/>
+                      </a:solidFill>
+                      <a:prstDash val="solid"/>
+                      <a:round/>
+                      <a:headEnd type="none" w="med" len="med"/>
+                      <a:tailEnd type="none" w="med" len="med"/>
+                    </a:lnL>
+                    <a:lnR w="7620" cap="flat" cmpd="sng" algn="ctr">
+                      <a:solidFill>
+                        <a:srgbClr val="DDDDDD"/>
+                      </a:solidFill>
+                      <a:prstDash val="solid"/>
+                      <a:round/>
+                      <a:headEnd type="none" w="med" len="med"/>
+                      <a:tailEnd type="none" w="med" len="med"/>
+                    </a:lnR>
+                    <a:lnT w="7620" cap="flat" cmpd="sng" algn="ctr">
+                      <a:solidFill>
+                        <a:srgbClr val="DDDDDD"/>
+                      </a:solidFill>
+                      <a:prstDash val="solid"/>
+                      <a:round/>
+                      <a:headEnd type="none" w="med" len="med"/>
+                      <a:tailEnd type="none" w="med" len="med"/>
+                    </a:lnT>
+                    <a:lnB w="7620" cap="flat" cmpd="sng" algn="ctr">
+                      <a:solidFill>
+                        <a:srgbClr val="DDDDDD"/>
+                      </a:solidFill>
+                      <a:prstDash val="solid"/>
+                      <a:round/>
+                      <a:headEnd type="none" w="med" len="med"/>
+                      <a:tailEnd type="none" w="med" len="med"/>
+                    </a:lnB>
+                  </a:tcPr>
+                </a:tc>
+                <a:tc>
+                  <a:txBody>
+                    <a:bodyPr/>
+                    <a:lstStyle/>
+                    <a:p>
+                      <a:pPr lvl="1" algn="just" fontAlgn="t"/>
+                      <a:r>
+                        <a:rPr lang="en-IN" sz="1100" b="1">
+                          <a:solidFill>
+                            <a:srgbClr val="000000"/>
+                          </a:solidFill>
+                          <a:effectLst/>
+                        </a:rPr>
+                        <a:t>rb+</a:t>
+                      </a:r>
+                      <a:endParaRPr lang="en-IN" sz="1100">
+                        <a:solidFill>
+                          <a:srgbClr val="000000"/>
+                        </a:solidFill>
+                        <a:effectLst/>
+                      </a:endParaRPr>
+                    </a:p>
+                    <a:p>
+                      <a:pPr lvl="1" algn="just" fontAlgn="t"/>
+                      <a:r>
+                        <a:rPr lang="en-IN" sz="1100">
+                          <a:solidFill>
+                            <a:srgbClr val="000000"/>
+                          </a:solidFill>
+                          <a:effectLst/>
+                        </a:rPr>
+                        <a:t>Opens a file for both reading and writing in binary format. The file pointer placed at the beginning of the file.</a:t>
+                      </a:r>
+                    </a:p>
+                  </a:txBody>
+                  <a:tcPr marL="7120" marR="7120" marT="7120" marB="7120">
+                    <a:lnL w="7620" cap="flat" cmpd="sng" algn="ctr">
+                      <a:solidFill>
+                        <a:srgbClr val="DDDDDD"/>
+                      </a:solidFill>
+                      <a:prstDash val="solid"/>
+                      <a:round/>
+                      <a:headEnd type="none" w="med" len="med"/>
+                      <a:tailEnd type="none" w="med" len="med"/>
+                    </a:lnL>
+                    <a:lnR w="7620" cap="flat" cmpd="sng" algn="ctr">
+                      <a:solidFill>
+                        <a:srgbClr val="DDDDDD"/>
+                      </a:solidFill>
+                      <a:prstDash val="solid"/>
+                      <a:round/>
+                      <a:headEnd type="none" w="med" len="med"/>
+                      <a:tailEnd type="none" w="med" len="med"/>
+                    </a:lnR>
+                    <a:lnT w="7620" cap="flat" cmpd="sng" algn="ctr">
+                      <a:solidFill>
+                        <a:srgbClr val="DDDDDD"/>
+                      </a:solidFill>
+                      <a:prstDash val="solid"/>
+                      <a:round/>
+                      <a:headEnd type="none" w="med" len="med"/>
+                      <a:tailEnd type="none" w="med" len="med"/>
+                    </a:lnT>
+                    <a:lnB w="7620" cap="flat" cmpd="sng" algn="ctr">
+                      <a:solidFill>
+                        <a:srgbClr val="DDDDDD"/>
+                      </a:solidFill>
+                      <a:prstDash val="solid"/>
+                      <a:round/>
+                      <a:headEnd type="none" w="med" len="med"/>
+                      <a:tailEnd type="none" w="med" len="med"/>
+                    </a:lnB>
+                  </a:tcPr>
+                </a:tc>
+                <a:extLst>
+                  <a:ext uri="{0D108BD9-81ED-4DB2-BD59-A6C34878D82A}">
+                    <a16:rowId xmlns:a16="http://schemas.microsoft.com/office/drawing/2014/main" val="889223637"/>
+                  </a:ext>
+                </a:extLst>
+              </a:tr>
+              <a:tr h="357132">
+                <a:tc>
+                  <a:txBody>
+                    <a:bodyPr/>
+                    <a:lstStyle/>
+                    <a:p>
+                      <a:pPr algn="ctr" fontAlgn="t"/>
+                      <a:r>
+                        <a:rPr lang="en-IN" sz="1100">
+                          <a:effectLst/>
+                        </a:rPr>
+                        <a:t>5</a:t>
+                      </a:r>
+                    </a:p>
+                  </a:txBody>
+                  <a:tcPr marL="7120" marR="7120" marT="7120" marB="7120">
+                    <a:lnL w="7620" cap="flat" cmpd="sng" algn="ctr">
+                      <a:solidFill>
+                        <a:srgbClr val="DDDDDD"/>
+                      </a:solidFill>
+                      <a:prstDash val="solid"/>
+                      <a:round/>
+                      <a:headEnd type="none" w="med" len="med"/>
+                      <a:tailEnd type="none" w="med" len="med"/>
+                    </a:lnL>
+                    <a:lnR w="7620" cap="flat" cmpd="sng" algn="ctr">
+                      <a:solidFill>
+                        <a:srgbClr val="DDDDDD"/>
+                      </a:solidFill>
+                      <a:prstDash val="solid"/>
+                      <a:round/>
+                      <a:headEnd type="none" w="med" len="med"/>
+                      <a:tailEnd type="none" w="med" len="med"/>
+                    </a:lnR>
+                    <a:lnT w="7620" cap="flat" cmpd="sng" algn="ctr">
+                      <a:solidFill>
+                        <a:srgbClr val="DDDDDD"/>
+                      </a:solidFill>
+                      <a:prstDash val="solid"/>
+                      <a:round/>
+                      <a:headEnd type="none" w="med" len="med"/>
+                      <a:tailEnd type="none" w="med" len="med"/>
+                    </a:lnT>
+                    <a:lnB w="7620" cap="flat" cmpd="sng" algn="ctr">
+                      <a:solidFill>
+                        <a:srgbClr val="DDDDDD"/>
+                      </a:solidFill>
+                      <a:prstDash val="solid"/>
+                      <a:round/>
+                      <a:headEnd type="none" w="med" len="med"/>
+                      <a:tailEnd type="none" w="med" len="med"/>
+                    </a:lnB>
+                  </a:tcPr>
+                </a:tc>
+                <a:tc>
+                  <a:txBody>
+                    <a:bodyPr/>
+                    <a:lstStyle/>
+                    <a:p>
+                      <a:pPr lvl="1" algn="just" fontAlgn="t"/>
+                      <a:r>
+                        <a:rPr lang="en-IN" sz="1100" b="1" dirty="0">
+                          <a:solidFill>
+                            <a:srgbClr val="000000"/>
+                          </a:solidFill>
+                          <a:effectLst/>
+                        </a:rPr>
+                        <a:t>w</a:t>
+                      </a:r>
+                      <a:endParaRPr lang="en-IN" sz="1100" dirty="0">
+                        <a:solidFill>
+                          <a:srgbClr val="000000"/>
+                        </a:solidFill>
+                        <a:effectLst/>
+                      </a:endParaRPr>
+                    </a:p>
+                    <a:p>
+                      <a:pPr lvl="1" algn="just" fontAlgn="t"/>
+                      <a:r>
+                        <a:rPr lang="en-IN" sz="1100" dirty="0">
+                          <a:solidFill>
+                            <a:srgbClr val="000000"/>
+                          </a:solidFill>
+                          <a:effectLst/>
+                        </a:rPr>
+                        <a:t>Opens a file for writing only. Overwrites the file if the file exists. If the file does not exist, creates a new file for writing.</a:t>
+                      </a:r>
+                    </a:p>
+                  </a:txBody>
+                  <a:tcPr marL="7120" marR="7120" marT="7120" marB="7120">
+                    <a:lnL w="7620" cap="flat" cmpd="sng" algn="ctr">
+                      <a:solidFill>
+                        <a:srgbClr val="DDDDDD"/>
+                      </a:solidFill>
+                      <a:prstDash val="solid"/>
+                      <a:round/>
+                      <a:headEnd type="none" w="med" len="med"/>
+                      <a:tailEnd type="none" w="med" len="med"/>
+                    </a:lnL>
+                    <a:lnR w="7620" cap="flat" cmpd="sng" algn="ctr">
+                      <a:solidFill>
+                        <a:srgbClr val="DDDDDD"/>
+                      </a:solidFill>
+                      <a:prstDash val="solid"/>
+                      <a:round/>
+                      <a:headEnd type="none" w="med" len="med"/>
+                      <a:tailEnd type="none" w="med" len="med"/>
+                    </a:lnR>
+                    <a:lnT w="7620" cap="flat" cmpd="sng" algn="ctr">
+                      <a:solidFill>
+                        <a:srgbClr val="DDDDDD"/>
+                      </a:solidFill>
+                      <a:prstDash val="solid"/>
+                      <a:round/>
+                      <a:headEnd type="none" w="med" len="med"/>
+                      <a:tailEnd type="none" w="med" len="med"/>
+                    </a:lnT>
+                    <a:lnB w="7620" cap="flat" cmpd="sng" algn="ctr">
+                      <a:solidFill>
+                        <a:srgbClr val="DDDDDD"/>
+                      </a:solidFill>
+                      <a:prstDash val="solid"/>
+                      <a:round/>
+                      <a:headEnd type="none" w="med" len="med"/>
+                      <a:tailEnd type="none" w="med" len="med"/>
+                    </a:lnB>
+                  </a:tcPr>
+                </a:tc>
+                <a:extLst>
+                  <a:ext uri="{0D108BD9-81ED-4DB2-BD59-A6C34878D82A}">
+                    <a16:rowId xmlns:a16="http://schemas.microsoft.com/office/drawing/2014/main" val="534279540"/>
+                  </a:ext>
+                </a:extLst>
+              </a:tr>
+              <a:tr h="405104">
+                <a:tc>
+                  <a:txBody>
+                    <a:bodyPr/>
+                    <a:lstStyle/>
+                    <a:p>
+                      <a:pPr algn="ctr" fontAlgn="t"/>
+                      <a:r>
+                        <a:rPr lang="en-IN" sz="1100">
+                          <a:effectLst/>
+                        </a:rPr>
+                        <a:t>6</a:t>
+                      </a:r>
+                    </a:p>
+                  </a:txBody>
+                  <a:tcPr marL="7120" marR="7120" marT="7120" marB="7120">
+                    <a:lnL w="7620" cap="flat" cmpd="sng" algn="ctr">
+                      <a:solidFill>
+                        <a:srgbClr val="DDDDDD"/>
+                      </a:solidFill>
+                      <a:prstDash val="solid"/>
+                      <a:round/>
+                      <a:headEnd type="none" w="med" len="med"/>
+                      <a:tailEnd type="none" w="med" len="med"/>
+                    </a:lnL>
+                    <a:lnR w="7620" cap="flat" cmpd="sng" algn="ctr">
+                      <a:solidFill>
+                        <a:srgbClr val="DDDDDD"/>
+                      </a:solidFill>
+                      <a:prstDash val="solid"/>
+                      <a:round/>
+                      <a:headEnd type="none" w="med" len="med"/>
+                      <a:tailEnd type="none" w="med" len="med"/>
+                    </a:lnR>
+                    <a:lnT w="7620" cap="flat" cmpd="sng" algn="ctr">
+                      <a:solidFill>
+                        <a:srgbClr val="DDDDDD"/>
+                      </a:solidFill>
+                      <a:prstDash val="solid"/>
+                      <a:round/>
+                      <a:headEnd type="none" w="med" len="med"/>
+                      <a:tailEnd type="none" w="med" len="med"/>
+                    </a:lnT>
+                    <a:lnB w="7620" cap="flat" cmpd="sng" algn="ctr">
+                      <a:solidFill>
+                        <a:srgbClr val="DDDDDD"/>
+                      </a:solidFill>
+                      <a:prstDash val="solid"/>
+                      <a:round/>
+                      <a:headEnd type="none" w="med" len="med"/>
+                      <a:tailEnd type="none" w="med" len="med"/>
+                    </a:lnB>
+                  </a:tcPr>
+                </a:tc>
+                <a:tc>
+                  <a:txBody>
+                    <a:bodyPr/>
+                    <a:lstStyle/>
+                    <a:p>
+                      <a:pPr lvl="1" algn="just" fontAlgn="t"/>
+                      <a:r>
+                        <a:rPr lang="en-IN" sz="1100" b="1">
+                          <a:solidFill>
+                            <a:srgbClr val="000000"/>
+                          </a:solidFill>
+                          <a:effectLst/>
+                        </a:rPr>
+                        <a:t>wb</a:t>
+                      </a:r>
+                      <a:endParaRPr lang="en-IN" sz="1100">
+                        <a:solidFill>
+                          <a:srgbClr val="000000"/>
+                        </a:solidFill>
+                        <a:effectLst/>
+                      </a:endParaRPr>
+                    </a:p>
+                    <a:p>
+                      <a:pPr lvl="1" algn="just" fontAlgn="t"/>
+                      <a:r>
+                        <a:rPr lang="en-IN" sz="1100">
+                          <a:solidFill>
+                            <a:srgbClr val="000000"/>
+                          </a:solidFill>
+                          <a:effectLst/>
+                        </a:rPr>
+                        <a:t>Opens a file for writing only in binary format. Overwrites the file if the file exists. If the file does not exist, creates a new file for writing.</a:t>
+                      </a:r>
+                    </a:p>
+                  </a:txBody>
+                  <a:tcPr marL="7120" marR="7120" marT="7120" marB="7120">
+                    <a:lnL w="7620" cap="flat" cmpd="sng" algn="ctr">
+                      <a:solidFill>
+                        <a:srgbClr val="DDDDDD"/>
+                      </a:solidFill>
+                      <a:prstDash val="solid"/>
+                      <a:round/>
+                      <a:headEnd type="none" w="med" len="med"/>
+                      <a:tailEnd type="none" w="med" len="med"/>
+                    </a:lnL>
+                    <a:lnR w="7620" cap="flat" cmpd="sng" algn="ctr">
+                      <a:solidFill>
+                        <a:srgbClr val="DDDDDD"/>
+                      </a:solidFill>
+                      <a:prstDash val="solid"/>
+                      <a:round/>
+                      <a:headEnd type="none" w="med" len="med"/>
+                      <a:tailEnd type="none" w="med" len="med"/>
+                    </a:lnR>
+                    <a:lnT w="7620" cap="flat" cmpd="sng" algn="ctr">
+                      <a:solidFill>
+                        <a:srgbClr val="DDDDDD"/>
+                      </a:solidFill>
+                      <a:prstDash val="solid"/>
+                      <a:round/>
+                      <a:headEnd type="none" w="med" len="med"/>
+                      <a:tailEnd type="none" w="med" len="med"/>
+                    </a:lnT>
+                    <a:lnB w="7620" cap="flat" cmpd="sng" algn="ctr">
+                      <a:solidFill>
+                        <a:srgbClr val="DDDDDD"/>
+                      </a:solidFill>
+                      <a:prstDash val="solid"/>
+                      <a:round/>
+                      <a:headEnd type="none" w="med" len="med"/>
+                      <a:tailEnd type="none" w="med" len="med"/>
+                    </a:lnB>
+                  </a:tcPr>
+                </a:tc>
+                <a:extLst>
+                  <a:ext uri="{0D108BD9-81ED-4DB2-BD59-A6C34878D82A}">
+                    <a16:rowId xmlns:a16="http://schemas.microsoft.com/office/drawing/2014/main" val="1983733633"/>
+                  </a:ext>
+                </a:extLst>
+              </a:tr>
+              <a:tr h="405104">
+                <a:tc>
+                  <a:txBody>
+                    <a:bodyPr/>
+                    <a:lstStyle/>
+                    <a:p>
+                      <a:pPr algn="ctr" fontAlgn="t"/>
+                      <a:r>
+                        <a:rPr lang="en-IN" sz="1100">
+                          <a:effectLst/>
+                        </a:rPr>
+                        <a:t>7</a:t>
+                      </a:r>
+                    </a:p>
+                  </a:txBody>
+                  <a:tcPr marL="7120" marR="7120" marT="7120" marB="7120">
+                    <a:lnL w="7620" cap="flat" cmpd="sng" algn="ctr">
+                      <a:solidFill>
+                        <a:srgbClr val="DDDDDD"/>
+                      </a:solidFill>
+                      <a:prstDash val="solid"/>
+                      <a:round/>
+                      <a:headEnd type="none" w="med" len="med"/>
+                      <a:tailEnd type="none" w="med" len="med"/>
+                    </a:lnL>
+                    <a:lnR w="7620" cap="flat" cmpd="sng" algn="ctr">
+                      <a:solidFill>
+                        <a:srgbClr val="DDDDDD"/>
+                      </a:solidFill>
+                      <a:prstDash val="solid"/>
+                      <a:round/>
+                      <a:headEnd type="none" w="med" len="med"/>
+                      <a:tailEnd type="none" w="med" len="med"/>
+                    </a:lnR>
+                    <a:lnT w="7620" cap="flat" cmpd="sng" algn="ctr">
+                      <a:solidFill>
+                        <a:srgbClr val="DDDDDD"/>
+                      </a:solidFill>
+                      <a:prstDash val="solid"/>
+                      <a:round/>
+                      <a:headEnd type="none" w="med" len="med"/>
+                      <a:tailEnd type="none" w="med" len="med"/>
+                    </a:lnT>
+                    <a:lnB w="7620" cap="flat" cmpd="sng" algn="ctr">
+                      <a:solidFill>
+                        <a:srgbClr val="DDDDDD"/>
+                      </a:solidFill>
+                      <a:prstDash val="solid"/>
+                      <a:round/>
+                      <a:headEnd type="none" w="med" len="med"/>
+                      <a:tailEnd type="none" w="med" len="med"/>
+                    </a:lnB>
+                  </a:tcPr>
+                </a:tc>
+                <a:tc>
+                  <a:txBody>
+                    <a:bodyPr/>
+                    <a:lstStyle/>
+                    <a:p>
+                      <a:pPr lvl="1" algn="just" fontAlgn="t"/>
+                      <a:r>
+                        <a:rPr lang="en-IN" sz="1100" b="1">
+                          <a:solidFill>
+                            <a:srgbClr val="000000"/>
+                          </a:solidFill>
+                          <a:effectLst/>
+                        </a:rPr>
+                        <a:t>w+</a:t>
+                      </a:r>
+                      <a:endParaRPr lang="en-IN" sz="1100">
+                        <a:solidFill>
+                          <a:srgbClr val="000000"/>
+                        </a:solidFill>
+                        <a:effectLst/>
+                      </a:endParaRPr>
+                    </a:p>
+                    <a:p>
+                      <a:pPr lvl="1" algn="just" fontAlgn="t"/>
+                      <a:r>
+                        <a:rPr lang="en-IN" sz="1100">
+                          <a:solidFill>
+                            <a:srgbClr val="000000"/>
+                          </a:solidFill>
+                          <a:effectLst/>
+                        </a:rPr>
+                        <a:t>Opens a file for both writing and reading. Overwrites the existing file if the file exists. If the file does not exist, creates a new file for reading and writing.</a:t>
+                      </a:r>
+                    </a:p>
+                  </a:txBody>
+                  <a:tcPr marL="7120" marR="7120" marT="7120" marB="7120">
+                    <a:lnL w="7620" cap="flat" cmpd="sng" algn="ctr">
+                      <a:solidFill>
+                        <a:srgbClr val="DDDDDD"/>
+                      </a:solidFill>
+                      <a:prstDash val="solid"/>
+                      <a:round/>
+                      <a:headEnd type="none" w="med" len="med"/>
+                      <a:tailEnd type="none" w="med" len="med"/>
+                    </a:lnL>
+                    <a:lnR w="7620" cap="flat" cmpd="sng" algn="ctr">
+                      <a:solidFill>
+                        <a:srgbClr val="DDDDDD"/>
+                      </a:solidFill>
+                      <a:prstDash val="solid"/>
+                      <a:round/>
+                      <a:headEnd type="none" w="med" len="med"/>
+                      <a:tailEnd type="none" w="med" len="med"/>
+                    </a:lnR>
+                    <a:lnT w="7620" cap="flat" cmpd="sng" algn="ctr">
+                      <a:solidFill>
+                        <a:srgbClr val="DDDDDD"/>
+                      </a:solidFill>
+                      <a:prstDash val="solid"/>
+                      <a:round/>
+                      <a:headEnd type="none" w="med" len="med"/>
+                      <a:tailEnd type="none" w="med" len="med"/>
+                    </a:lnT>
+                    <a:lnB w="7620" cap="flat" cmpd="sng" algn="ctr">
+                      <a:solidFill>
+                        <a:srgbClr val="DDDDDD"/>
+                      </a:solidFill>
+                      <a:prstDash val="solid"/>
+                      <a:round/>
+                      <a:headEnd type="none" w="med" len="med"/>
+                      <a:tailEnd type="none" w="med" len="med"/>
+                    </a:lnB>
+                  </a:tcPr>
+                </a:tc>
+                <a:extLst>
+                  <a:ext uri="{0D108BD9-81ED-4DB2-BD59-A6C34878D82A}">
+                    <a16:rowId xmlns:a16="http://schemas.microsoft.com/office/drawing/2014/main" val="4096582924"/>
+                  </a:ext>
+                </a:extLst>
+              </a:tr>
+              <a:tr h="453077">
+                <a:tc>
+                  <a:txBody>
+                    <a:bodyPr/>
+                    <a:lstStyle/>
+                    <a:p>
+                      <a:pPr algn="ctr" fontAlgn="t"/>
+                      <a:r>
+                        <a:rPr lang="en-IN" sz="1100">
+                          <a:effectLst/>
+                        </a:rPr>
+                        <a:t>8</a:t>
+                      </a:r>
+                    </a:p>
+                  </a:txBody>
+                  <a:tcPr marL="7120" marR="7120" marT="7120" marB="7120">
+                    <a:lnL w="7620" cap="flat" cmpd="sng" algn="ctr">
+                      <a:solidFill>
+                        <a:srgbClr val="DDDDDD"/>
+                      </a:solidFill>
+                      <a:prstDash val="solid"/>
+                      <a:round/>
+                      <a:headEnd type="none" w="med" len="med"/>
+                      <a:tailEnd type="none" w="med" len="med"/>
+                    </a:lnL>
+                    <a:lnR w="7620" cap="flat" cmpd="sng" algn="ctr">
+                      <a:solidFill>
+                        <a:srgbClr val="DDDDDD"/>
+                      </a:solidFill>
+                      <a:prstDash val="solid"/>
+                      <a:round/>
+                      <a:headEnd type="none" w="med" len="med"/>
+                      <a:tailEnd type="none" w="med" len="med"/>
+                    </a:lnR>
+                    <a:lnT w="7620" cap="flat" cmpd="sng" algn="ctr">
+                      <a:solidFill>
+                        <a:srgbClr val="DDDDDD"/>
+                      </a:solidFill>
+                      <a:prstDash val="solid"/>
+                      <a:round/>
+                      <a:headEnd type="none" w="med" len="med"/>
+                      <a:tailEnd type="none" w="med" len="med"/>
+                    </a:lnT>
+                    <a:lnB w="7620" cap="flat" cmpd="sng" algn="ctr">
+                      <a:solidFill>
+                        <a:srgbClr val="DDDDDD"/>
+                      </a:solidFill>
+                      <a:prstDash val="solid"/>
+                      <a:round/>
+                      <a:headEnd type="none" w="med" len="med"/>
+                      <a:tailEnd type="none" w="med" len="med"/>
+                    </a:lnB>
+                  </a:tcPr>
+                </a:tc>
+                <a:tc>
+                  <a:txBody>
+                    <a:bodyPr/>
+                    <a:lstStyle/>
+                    <a:p>
+                      <a:pPr lvl="1" algn="just" fontAlgn="t"/>
+                      <a:r>
+                        <a:rPr lang="en-IN" sz="1100" b="1" dirty="0" err="1">
+                          <a:solidFill>
+                            <a:srgbClr val="000000"/>
+                          </a:solidFill>
+                          <a:effectLst/>
+                        </a:rPr>
+                        <a:t>wb</a:t>
+                      </a:r>
+                      <a:r>
+                        <a:rPr lang="en-IN" sz="1100" b="1" dirty="0">
+                          <a:solidFill>
+                            <a:srgbClr val="000000"/>
+                          </a:solidFill>
+                          <a:effectLst/>
+                        </a:rPr>
+                        <a:t>+</a:t>
+                      </a:r>
+                      <a:endParaRPr lang="en-IN" sz="1100" dirty="0">
+                        <a:solidFill>
+                          <a:srgbClr val="000000"/>
+                        </a:solidFill>
+                        <a:effectLst/>
+                      </a:endParaRPr>
+                    </a:p>
+                    <a:p>
+                      <a:pPr lvl="1" algn="just" fontAlgn="t"/>
+                      <a:r>
+                        <a:rPr lang="en-IN" sz="1100" dirty="0">
+                          <a:solidFill>
+                            <a:srgbClr val="000000"/>
+                          </a:solidFill>
+                          <a:effectLst/>
+                        </a:rPr>
+                        <a:t>Opens a file for both writing and reading in binary format. Overwrites the existing file if the file exists. If the file does not exist, creates a new file for reading and writing.</a:t>
+                      </a:r>
+                    </a:p>
+                  </a:txBody>
+                  <a:tcPr marL="7120" marR="7120" marT="7120" marB="7120">
+                    <a:lnL w="7620" cap="flat" cmpd="sng" algn="ctr">
+                      <a:solidFill>
+                        <a:srgbClr val="DDDDDD"/>
+                      </a:solidFill>
+                      <a:prstDash val="solid"/>
+                      <a:round/>
+                      <a:headEnd type="none" w="med" len="med"/>
+                      <a:tailEnd type="none" w="med" len="med"/>
+                    </a:lnL>
+                    <a:lnR w="7620" cap="flat" cmpd="sng" algn="ctr">
+                      <a:solidFill>
+                        <a:srgbClr val="DDDDDD"/>
+                      </a:solidFill>
+                      <a:prstDash val="solid"/>
+                      <a:round/>
+                      <a:headEnd type="none" w="med" len="med"/>
+                      <a:tailEnd type="none" w="med" len="med"/>
+                    </a:lnR>
+                    <a:lnT w="7620" cap="flat" cmpd="sng" algn="ctr">
+                      <a:solidFill>
+                        <a:srgbClr val="DDDDDD"/>
+                      </a:solidFill>
+                      <a:prstDash val="solid"/>
+                      <a:round/>
+                      <a:headEnd type="none" w="med" len="med"/>
+                      <a:tailEnd type="none" w="med" len="med"/>
+                    </a:lnT>
+                    <a:lnB w="7620" cap="flat" cmpd="sng" algn="ctr">
+                      <a:solidFill>
+                        <a:srgbClr val="DDDDDD"/>
+                      </a:solidFill>
+                      <a:prstDash val="solid"/>
+                      <a:round/>
+                      <a:headEnd type="none" w="med" len="med"/>
+                      <a:tailEnd type="none" w="med" len="med"/>
+                    </a:lnB>
+                  </a:tcPr>
+                </a:tc>
+                <a:extLst>
+                  <a:ext uri="{0D108BD9-81ED-4DB2-BD59-A6C34878D82A}">
+                    <a16:rowId xmlns:a16="http://schemas.microsoft.com/office/drawing/2014/main" val="1749926462"/>
+                  </a:ext>
+                </a:extLst>
+              </a:tr>
+              <a:tr h="501051">
+                <a:tc>
+                  <a:txBody>
+                    <a:bodyPr/>
+                    <a:lstStyle/>
+                    <a:p>
+                      <a:pPr algn="ctr" fontAlgn="t"/>
+                      <a:r>
+                        <a:rPr lang="en-IN" sz="1100">
+                          <a:effectLst/>
+                        </a:rPr>
+                        <a:t>9</a:t>
+                      </a:r>
+                    </a:p>
+                  </a:txBody>
+                  <a:tcPr marL="7120" marR="7120" marT="7120" marB="7120">
+                    <a:lnL w="7620" cap="flat" cmpd="sng" algn="ctr">
+                      <a:solidFill>
+                        <a:srgbClr val="DDDDDD"/>
+                      </a:solidFill>
+                      <a:prstDash val="solid"/>
+                      <a:round/>
+                      <a:headEnd type="none" w="med" len="med"/>
+                      <a:tailEnd type="none" w="med" len="med"/>
+                    </a:lnL>
+                    <a:lnR w="7620" cap="flat" cmpd="sng" algn="ctr">
+                      <a:solidFill>
+                        <a:srgbClr val="DDDDDD"/>
+                      </a:solidFill>
+                      <a:prstDash val="solid"/>
+                      <a:round/>
+                      <a:headEnd type="none" w="med" len="med"/>
+                      <a:tailEnd type="none" w="med" len="med"/>
+                    </a:lnR>
+                    <a:lnT w="7620" cap="flat" cmpd="sng" algn="ctr">
+                      <a:solidFill>
+                        <a:srgbClr val="DDDDDD"/>
+                      </a:solidFill>
+                      <a:prstDash val="solid"/>
+                      <a:round/>
+                      <a:headEnd type="none" w="med" len="med"/>
+                      <a:tailEnd type="none" w="med" len="med"/>
+                    </a:lnT>
+                    <a:lnB w="7620" cap="flat" cmpd="sng" algn="ctr">
+                      <a:solidFill>
+                        <a:srgbClr val="DDDDDD"/>
+                      </a:solidFill>
+                      <a:prstDash val="solid"/>
+                      <a:round/>
+                      <a:headEnd type="none" w="med" len="med"/>
+                      <a:tailEnd type="none" w="med" len="med"/>
+                    </a:lnB>
+                  </a:tcPr>
+                </a:tc>
+                <a:tc>
+                  <a:txBody>
+                    <a:bodyPr/>
+                    <a:lstStyle/>
+                    <a:p>
+                      <a:pPr lvl="1" algn="just" fontAlgn="t"/>
+                      <a:r>
+                        <a:rPr lang="en-IN" sz="1100" b="1">
+                          <a:solidFill>
+                            <a:srgbClr val="000000"/>
+                          </a:solidFill>
+                          <a:effectLst/>
+                        </a:rPr>
+                        <a:t>a</a:t>
+                      </a:r>
+                      <a:endParaRPr lang="en-IN" sz="1100">
+                        <a:solidFill>
+                          <a:srgbClr val="000000"/>
+                        </a:solidFill>
+                        <a:effectLst/>
+                      </a:endParaRPr>
+                    </a:p>
+                    <a:p>
+                      <a:pPr lvl="1" algn="just" fontAlgn="t"/>
+                      <a:r>
+                        <a:rPr lang="en-IN" sz="1100">
+                          <a:solidFill>
+                            <a:srgbClr val="000000"/>
+                          </a:solidFill>
+                          <a:effectLst/>
+                        </a:rPr>
+                        <a:t>Opens a file for appending. The file pointer is at the end of the file if the file exists. That is, the file is in the append mode. If the file does not exist, it creates a new file for writing.</a:t>
+                      </a:r>
+                    </a:p>
+                  </a:txBody>
+                  <a:tcPr marL="7120" marR="7120" marT="7120" marB="7120">
+                    <a:lnL w="7620" cap="flat" cmpd="sng" algn="ctr">
+                      <a:solidFill>
+                        <a:srgbClr val="DDDDDD"/>
+                      </a:solidFill>
+                      <a:prstDash val="solid"/>
+                      <a:round/>
+                      <a:headEnd type="none" w="med" len="med"/>
+                      <a:tailEnd type="none" w="med" len="med"/>
+                    </a:lnL>
+                    <a:lnR w="7620" cap="flat" cmpd="sng" algn="ctr">
+                      <a:solidFill>
+                        <a:srgbClr val="DDDDDD"/>
+                      </a:solidFill>
+                      <a:prstDash val="solid"/>
+                      <a:round/>
+                      <a:headEnd type="none" w="med" len="med"/>
+                      <a:tailEnd type="none" w="med" len="med"/>
+                    </a:lnR>
+                    <a:lnT w="7620" cap="flat" cmpd="sng" algn="ctr">
+                      <a:solidFill>
+                        <a:srgbClr val="DDDDDD"/>
+                      </a:solidFill>
+                      <a:prstDash val="solid"/>
+                      <a:round/>
+                      <a:headEnd type="none" w="med" len="med"/>
+                      <a:tailEnd type="none" w="med" len="med"/>
+                    </a:lnT>
+                    <a:lnB w="7620" cap="flat" cmpd="sng" algn="ctr">
+                      <a:solidFill>
+                        <a:srgbClr val="DDDDDD"/>
+                      </a:solidFill>
+                      <a:prstDash val="solid"/>
+                      <a:round/>
+                      <a:headEnd type="none" w="med" len="med"/>
+                      <a:tailEnd type="none" w="med" len="med"/>
+                    </a:lnB>
+                  </a:tcPr>
+                </a:tc>
+                <a:extLst>
+                  <a:ext uri="{0D108BD9-81ED-4DB2-BD59-A6C34878D82A}">
+                    <a16:rowId xmlns:a16="http://schemas.microsoft.com/office/drawing/2014/main" val="2142466818"/>
+                  </a:ext>
+                </a:extLst>
+              </a:tr>
+              <a:tr h="549023">
+                <a:tc>
+                  <a:txBody>
+                    <a:bodyPr/>
+                    <a:lstStyle/>
+                    <a:p>
+                      <a:pPr algn="ctr" fontAlgn="t"/>
+                      <a:r>
+                        <a:rPr lang="en-IN" sz="1100">
+                          <a:effectLst/>
+                        </a:rPr>
+                        <a:t>10</a:t>
+                      </a:r>
+                    </a:p>
+                  </a:txBody>
+                  <a:tcPr marL="7120" marR="7120" marT="7120" marB="7120">
+                    <a:lnL w="7620" cap="flat" cmpd="sng" algn="ctr">
+                      <a:solidFill>
+                        <a:srgbClr val="DDDDDD"/>
+                      </a:solidFill>
+                      <a:prstDash val="solid"/>
+                      <a:round/>
+                      <a:headEnd type="none" w="med" len="med"/>
+                      <a:tailEnd type="none" w="med" len="med"/>
+                    </a:lnL>
+                    <a:lnR w="7620" cap="flat" cmpd="sng" algn="ctr">
+                      <a:solidFill>
+                        <a:srgbClr val="DDDDDD"/>
+                      </a:solidFill>
+                      <a:prstDash val="solid"/>
+                      <a:round/>
+                      <a:headEnd type="none" w="med" len="med"/>
+                      <a:tailEnd type="none" w="med" len="med"/>
+                    </a:lnR>
+                    <a:lnT w="7620" cap="flat" cmpd="sng" algn="ctr">
+                      <a:solidFill>
+                        <a:srgbClr val="DDDDDD"/>
+                      </a:solidFill>
+                      <a:prstDash val="solid"/>
+                      <a:round/>
+                      <a:headEnd type="none" w="med" len="med"/>
+                      <a:tailEnd type="none" w="med" len="med"/>
+                    </a:lnT>
+                    <a:lnB w="7620" cap="flat" cmpd="sng" algn="ctr">
+                      <a:solidFill>
+                        <a:srgbClr val="DDDDDD"/>
+                      </a:solidFill>
+                      <a:prstDash val="solid"/>
+                      <a:round/>
+                      <a:headEnd type="none" w="med" len="med"/>
+                      <a:tailEnd type="none" w="med" len="med"/>
+                    </a:lnB>
+                  </a:tcPr>
+                </a:tc>
+                <a:tc>
+                  <a:txBody>
+                    <a:bodyPr/>
+                    <a:lstStyle/>
+                    <a:p>
+                      <a:pPr lvl="1" algn="just" fontAlgn="t"/>
+                      <a:r>
+                        <a:rPr lang="en-IN" sz="1100" b="1">
+                          <a:solidFill>
+                            <a:srgbClr val="000000"/>
+                          </a:solidFill>
+                          <a:effectLst/>
+                        </a:rPr>
+                        <a:t>ab</a:t>
+                      </a:r>
+                      <a:endParaRPr lang="en-IN" sz="1100">
+                        <a:solidFill>
+                          <a:srgbClr val="000000"/>
+                        </a:solidFill>
+                        <a:effectLst/>
+                      </a:endParaRPr>
+                    </a:p>
+                    <a:p>
+                      <a:pPr lvl="1" algn="just" fontAlgn="t"/>
+                      <a:r>
+                        <a:rPr lang="en-IN" sz="1100">
+                          <a:solidFill>
+                            <a:srgbClr val="000000"/>
+                          </a:solidFill>
+                          <a:effectLst/>
+                        </a:rPr>
+                        <a:t>Opens a file for appending in binary format. The file pointer is at the end of the file if the file exists. That is, the file is in the append mode. If the file does not exist, it creates a new file for writing.</a:t>
+                      </a:r>
+                    </a:p>
+                  </a:txBody>
+                  <a:tcPr marL="7120" marR="7120" marT="7120" marB="7120">
+                    <a:lnL w="7620" cap="flat" cmpd="sng" algn="ctr">
+                      <a:solidFill>
+                        <a:srgbClr val="DDDDDD"/>
+                      </a:solidFill>
+                      <a:prstDash val="solid"/>
+                      <a:round/>
+                      <a:headEnd type="none" w="med" len="med"/>
+                      <a:tailEnd type="none" w="med" len="med"/>
+                    </a:lnL>
+                    <a:lnR w="7620" cap="flat" cmpd="sng" algn="ctr">
+                      <a:solidFill>
+                        <a:srgbClr val="DDDDDD"/>
+                      </a:solidFill>
+                      <a:prstDash val="solid"/>
+                      <a:round/>
+                      <a:headEnd type="none" w="med" len="med"/>
+                      <a:tailEnd type="none" w="med" len="med"/>
+                    </a:lnR>
+                    <a:lnT w="7620" cap="flat" cmpd="sng" algn="ctr">
+                      <a:solidFill>
+                        <a:srgbClr val="DDDDDD"/>
+                      </a:solidFill>
+                      <a:prstDash val="solid"/>
+                      <a:round/>
+                      <a:headEnd type="none" w="med" len="med"/>
+                      <a:tailEnd type="none" w="med" len="med"/>
+                    </a:lnT>
+                    <a:lnB w="7620" cap="flat" cmpd="sng" algn="ctr">
+                      <a:solidFill>
+                        <a:srgbClr val="DDDDDD"/>
+                      </a:solidFill>
+                      <a:prstDash val="solid"/>
+                      <a:round/>
+                      <a:headEnd type="none" w="med" len="med"/>
+                      <a:tailEnd type="none" w="med" len="med"/>
+                    </a:lnB>
+                  </a:tcPr>
+                </a:tc>
+                <a:extLst>
+                  <a:ext uri="{0D108BD9-81ED-4DB2-BD59-A6C34878D82A}">
+                    <a16:rowId xmlns:a16="http://schemas.microsoft.com/office/drawing/2014/main" val="2068588748"/>
+                  </a:ext>
+                </a:extLst>
+              </a:tr>
+              <a:tr h="596995">
+                <a:tc>
+                  <a:txBody>
+                    <a:bodyPr/>
+                    <a:lstStyle/>
+                    <a:p>
+                      <a:pPr algn="ctr" fontAlgn="t"/>
+                      <a:r>
+                        <a:rPr lang="en-IN" sz="1100">
+                          <a:effectLst/>
+                        </a:rPr>
+                        <a:t>11</a:t>
+                      </a:r>
+                    </a:p>
+                  </a:txBody>
+                  <a:tcPr marL="7120" marR="7120" marT="7120" marB="7120">
+                    <a:lnL w="7620" cap="flat" cmpd="sng" algn="ctr">
+                      <a:solidFill>
+                        <a:srgbClr val="DDDDDD"/>
+                      </a:solidFill>
+                      <a:prstDash val="solid"/>
+                      <a:round/>
+                      <a:headEnd type="none" w="med" len="med"/>
+                      <a:tailEnd type="none" w="med" len="med"/>
+                    </a:lnL>
+                    <a:lnR w="7620" cap="flat" cmpd="sng" algn="ctr">
+                      <a:solidFill>
+                        <a:srgbClr val="DDDDDD"/>
+                      </a:solidFill>
+                      <a:prstDash val="solid"/>
+                      <a:round/>
+                      <a:headEnd type="none" w="med" len="med"/>
+                      <a:tailEnd type="none" w="med" len="med"/>
+                    </a:lnR>
+                    <a:lnT w="7620" cap="flat" cmpd="sng" algn="ctr">
+                      <a:solidFill>
+                        <a:srgbClr val="DDDDDD"/>
+                      </a:solidFill>
+                      <a:prstDash val="solid"/>
+                      <a:round/>
+                      <a:headEnd type="none" w="med" len="med"/>
+                      <a:tailEnd type="none" w="med" len="med"/>
+                    </a:lnT>
+                    <a:lnB w="7620" cap="flat" cmpd="sng" algn="ctr">
+                      <a:solidFill>
+                        <a:srgbClr val="DDDDDD"/>
+                      </a:solidFill>
+                      <a:prstDash val="solid"/>
+                      <a:round/>
+                      <a:headEnd type="none" w="med" len="med"/>
+                      <a:tailEnd type="none" w="med" len="med"/>
+                    </a:lnB>
+                  </a:tcPr>
+                </a:tc>
+                <a:tc>
+                  <a:txBody>
+                    <a:bodyPr/>
+                    <a:lstStyle/>
+                    <a:p>
+                      <a:pPr lvl="1" algn="just" fontAlgn="t"/>
+                      <a:r>
+                        <a:rPr lang="en-IN" sz="1100" b="1" dirty="0">
+                          <a:solidFill>
+                            <a:srgbClr val="000000"/>
+                          </a:solidFill>
+                          <a:effectLst/>
+                        </a:rPr>
+                        <a:t>a+</a:t>
+                      </a:r>
+                      <a:endParaRPr lang="en-IN" sz="1100" dirty="0">
+                        <a:solidFill>
+                          <a:srgbClr val="000000"/>
+                        </a:solidFill>
+                        <a:effectLst/>
+                      </a:endParaRPr>
+                    </a:p>
+                    <a:p>
+                      <a:pPr lvl="1" algn="just" fontAlgn="t"/>
+                      <a:r>
+                        <a:rPr lang="en-IN" sz="1100" dirty="0">
+                          <a:solidFill>
+                            <a:srgbClr val="000000"/>
+                          </a:solidFill>
+                          <a:effectLst/>
+                        </a:rPr>
+                        <a:t>Opens a file for both appending and reading. The file pointer is at the end of the file if the file exists. The file opens in the append mode. If the file does not exist, it creates a new file for reading and writing.</a:t>
+                      </a:r>
+                    </a:p>
+                  </a:txBody>
+                  <a:tcPr marL="7120" marR="7120" marT="7120" marB="7120">
+                    <a:lnL w="7620" cap="flat" cmpd="sng" algn="ctr">
+                      <a:solidFill>
+                        <a:srgbClr val="DDDDDD"/>
+                      </a:solidFill>
+                      <a:prstDash val="solid"/>
+                      <a:round/>
+                      <a:headEnd type="none" w="med" len="med"/>
+                      <a:tailEnd type="none" w="med" len="med"/>
+                    </a:lnL>
+                    <a:lnR w="7620" cap="flat" cmpd="sng" algn="ctr">
+                      <a:solidFill>
+                        <a:srgbClr val="DDDDDD"/>
+                      </a:solidFill>
+                      <a:prstDash val="solid"/>
+                      <a:round/>
+                      <a:headEnd type="none" w="med" len="med"/>
+                      <a:tailEnd type="none" w="med" len="med"/>
+                    </a:lnR>
+                    <a:lnT w="7620" cap="flat" cmpd="sng" algn="ctr">
+                      <a:solidFill>
+                        <a:srgbClr val="DDDDDD"/>
+                      </a:solidFill>
+                      <a:prstDash val="solid"/>
+                      <a:round/>
+                      <a:headEnd type="none" w="med" len="med"/>
+                      <a:tailEnd type="none" w="med" len="med"/>
+                    </a:lnT>
+                    <a:lnB w="7620" cap="flat" cmpd="sng" algn="ctr">
+                      <a:solidFill>
+                        <a:srgbClr val="DDDDDD"/>
+                      </a:solidFill>
+                      <a:prstDash val="solid"/>
+                      <a:round/>
+                      <a:headEnd type="none" w="med" len="med"/>
+                      <a:tailEnd type="none" w="med" len="med"/>
+                    </a:lnB>
+                  </a:tcPr>
+                </a:tc>
+                <a:extLst>
+                  <a:ext uri="{0D108BD9-81ED-4DB2-BD59-A6C34878D82A}">
+                    <a16:rowId xmlns:a16="http://schemas.microsoft.com/office/drawing/2014/main" val="1590390655"/>
+                  </a:ext>
+                </a:extLst>
+              </a:tr>
+              <a:tr h="644969">
+                <a:tc>
+                  <a:txBody>
+                    <a:bodyPr/>
+                    <a:lstStyle/>
+                    <a:p>
+                      <a:pPr algn="ctr" fontAlgn="t"/>
+                      <a:r>
+                        <a:rPr lang="en-IN" sz="1100">
+                          <a:effectLst/>
+                        </a:rPr>
+                        <a:t>12</a:t>
+                      </a:r>
+                    </a:p>
+                  </a:txBody>
+                  <a:tcPr marL="7120" marR="7120" marT="7120" marB="7120">
+                    <a:lnL w="7620" cap="flat" cmpd="sng" algn="ctr">
+                      <a:solidFill>
+                        <a:srgbClr val="DDDDDD"/>
+                      </a:solidFill>
+                      <a:prstDash val="solid"/>
+                      <a:round/>
+                      <a:headEnd type="none" w="med" len="med"/>
+                      <a:tailEnd type="none" w="med" len="med"/>
+                    </a:lnL>
+                    <a:lnR w="7620" cap="flat" cmpd="sng" algn="ctr">
+                      <a:solidFill>
+                        <a:srgbClr val="DDDDDD"/>
+                      </a:solidFill>
+                      <a:prstDash val="solid"/>
+                      <a:round/>
+                      <a:headEnd type="none" w="med" len="med"/>
+                      <a:tailEnd type="none" w="med" len="med"/>
+                    </a:lnR>
+                    <a:lnT w="7620" cap="flat" cmpd="sng" algn="ctr">
+                      <a:solidFill>
+                        <a:srgbClr val="DDDDDD"/>
+                      </a:solidFill>
+                      <a:prstDash val="solid"/>
+                      <a:round/>
+                      <a:headEnd type="none" w="med" len="med"/>
+                      <a:tailEnd type="none" w="med" len="med"/>
+                    </a:lnT>
+                    <a:lnB w="7620" cap="flat" cmpd="sng" algn="ctr">
+                      <a:solidFill>
+                        <a:srgbClr val="DDDDDD"/>
+                      </a:solidFill>
+                      <a:prstDash val="solid"/>
+                      <a:round/>
+                      <a:headEnd type="none" w="med" len="med"/>
+                      <a:tailEnd type="none" w="med" len="med"/>
+                    </a:lnB>
+                  </a:tcPr>
+                </a:tc>
+                <a:tc>
+                  <a:txBody>
+                    <a:bodyPr/>
+                    <a:lstStyle/>
+                    <a:p>
+                      <a:pPr lvl="1" algn="just" fontAlgn="t"/>
+                      <a:r>
+                        <a:rPr lang="en-IN" sz="1100" b="1" dirty="0">
+                          <a:solidFill>
+                            <a:srgbClr val="000000"/>
+                          </a:solidFill>
+                          <a:effectLst/>
+                        </a:rPr>
+                        <a:t>ab+</a:t>
+                      </a:r>
+                      <a:endParaRPr lang="en-IN" sz="1100" dirty="0">
+                        <a:solidFill>
+                          <a:srgbClr val="000000"/>
+                        </a:solidFill>
+                        <a:effectLst/>
+                      </a:endParaRPr>
+                    </a:p>
+                    <a:p>
+                      <a:pPr lvl="1" algn="just" fontAlgn="t"/>
+                      <a:r>
+                        <a:rPr lang="en-IN" sz="1100" dirty="0">
+                          <a:solidFill>
+                            <a:srgbClr val="000000"/>
+                          </a:solidFill>
+                          <a:effectLst/>
+                        </a:rPr>
+                        <a:t>Opens a file for both appending and reading in binary format. The file pointer is at the end of the file if the file exists. The file opens in the append mode. If the file does not exist, it creates a new file for reading and writing.</a:t>
+                      </a:r>
+                    </a:p>
+                  </a:txBody>
+                  <a:tcPr marL="7120" marR="7120" marT="7120" marB="7120">
+                    <a:lnL w="7620" cap="flat" cmpd="sng" algn="ctr">
+                      <a:solidFill>
+                        <a:srgbClr val="DDDDDD"/>
+                      </a:solidFill>
+                      <a:prstDash val="solid"/>
+                      <a:round/>
+                      <a:headEnd type="none" w="med" len="med"/>
+                      <a:tailEnd type="none" w="med" len="med"/>
+                    </a:lnL>
+                    <a:lnR w="7620" cap="flat" cmpd="sng" algn="ctr">
+                      <a:solidFill>
+                        <a:srgbClr val="DDDDDD"/>
+                      </a:solidFill>
+                      <a:prstDash val="solid"/>
+                      <a:round/>
+                      <a:headEnd type="none" w="med" len="med"/>
+                      <a:tailEnd type="none" w="med" len="med"/>
+                    </a:lnR>
+                    <a:lnT w="7620" cap="flat" cmpd="sng" algn="ctr">
+                      <a:solidFill>
+                        <a:srgbClr val="DDDDDD"/>
+                      </a:solidFill>
+                      <a:prstDash val="solid"/>
+                      <a:round/>
+                      <a:headEnd type="none" w="med" len="med"/>
+                      <a:tailEnd type="none" w="med" len="med"/>
+                    </a:lnT>
+                    <a:lnB w="7620" cap="flat" cmpd="sng" algn="ctr">
+                      <a:solidFill>
+                        <a:srgbClr val="DDDDDD"/>
+                      </a:solidFill>
+                      <a:prstDash val="solid"/>
+                      <a:round/>
+                      <a:headEnd type="none" w="med" len="med"/>
+                      <a:tailEnd type="none" w="med" len="med"/>
+                    </a:lnB>
+                  </a:tcPr>
+                </a:tc>
+                <a:extLst>
+                  <a:ext uri="{0D108BD9-81ED-4DB2-BD59-A6C34878D82A}">
+                    <a16:rowId xmlns:a16="http://schemas.microsoft.com/office/drawing/2014/main" val="118417229"/>
+                  </a:ext>
+                </a:extLst>
+              </a:tr>
+            </a:tbl>
+          </a:graphicData>
+        </a:graphic>
+      </p:graphicFrame>
+    </p:spTree>
+    <p:extLst>
+      <p:ext uri="{BB962C8B-B14F-4D97-AF65-F5344CB8AC3E}">
+        <p14:creationId xmlns:p14="http://schemas.microsoft.com/office/powerpoint/2010/main" val="2503106561"/>
+      </p:ext>
+    </p:extLst>
+  </p:cSld>
+  <p:clrMapOvr>
+    <a:masterClrMapping/>
+  </p:clrMapOvr>
+</p:sld>
+</file>
+
 <file path=ppt/theme/theme1.xml><?xml version="1.0" encoding="utf-8"?>
 <a:theme xmlns:a="http://schemas.openxmlformats.org/drawingml/2006/main" name="Crop">
   <a:themeElements>

--- a/ppt/Misc.pptx
+++ b/ppt/Misc.pptx
@@ -14,6 +14,7 @@
     <p:sldId id="258" r:id="rId8"/>
     <p:sldId id="263" r:id="rId9"/>
     <p:sldId id="264" r:id="rId10"/>
+    <p:sldId id="265" r:id="rId11"/>
   </p:sldIdLst>
   <p:sldSz cx="12192000" cy="6858000"/>
   <p:notesSz cx="6858000" cy="9144000"/>
@@ -290,7 +291,7 @@
             <a:fld id="{87DE6118-2437-4B30-8E3C-4D2BE6020583}" type="datetimeFigureOut">
               <a:rPr lang="en-US" dirty="0"/>
               <a:pPr/>
-              <a:t>9/24/2018</a:t>
+              <a:t>9/25/2018</a:t>
             </a:fld>
             <a:endParaRPr lang="en-US" dirty="0"/>
           </a:p>
@@ -616,7 +617,7 @@
           <a:p>
             <a:fld id="{87DE6118-2437-4B30-8E3C-4D2BE6020583}" type="datetimeFigureOut">
               <a:rPr lang="en-US" dirty="0"/>
-              <a:t>9/24/2018</a:t>
+              <a:t>9/25/2018</a:t>
             </a:fld>
             <a:endParaRPr lang="en-US" dirty="0"/>
           </a:p>
@@ -791,7 +792,7 @@
           <a:p>
             <a:fld id="{87DE6118-2437-4B30-8E3C-4D2BE6020583}" type="datetimeFigureOut">
               <a:rPr lang="en-US" dirty="0"/>
-              <a:t>9/24/2018</a:t>
+              <a:t>9/25/2018</a:t>
             </a:fld>
             <a:endParaRPr lang="en-US" dirty="0"/>
           </a:p>
@@ -956,7 +957,7 @@
           <a:p>
             <a:fld id="{87DE6118-2437-4B30-8E3C-4D2BE6020583}" type="datetimeFigureOut">
               <a:rPr lang="en-US" dirty="0"/>
-              <a:t>9/24/2018</a:t>
+              <a:t>9/25/2018</a:t>
             </a:fld>
             <a:endParaRPr lang="en-US" dirty="0"/>
           </a:p>
@@ -1229,7 +1230,7 @@
             <a:fld id="{87DE6118-2437-4B30-8E3C-4D2BE6020583}" type="datetimeFigureOut">
               <a:rPr lang="en-US" dirty="0"/>
               <a:pPr/>
-              <a:t>9/24/2018</a:t>
+              <a:t>9/25/2018</a:t>
             </a:fld>
             <a:endParaRPr lang="en-US" dirty="0"/>
           </a:p>
@@ -1619,7 +1620,7 @@
           <a:p>
             <a:fld id="{87DE6118-2437-4B30-8E3C-4D2BE6020583}" type="datetimeFigureOut">
               <a:rPr lang="en-US" dirty="0"/>
-              <a:t>9/24/2018</a:t>
+              <a:t>9/25/2018</a:t>
             </a:fld>
             <a:endParaRPr lang="en-US" dirty="0"/>
           </a:p>
@@ -2091,7 +2092,7 @@
           <a:p>
             <a:fld id="{87DE6118-2437-4B30-8E3C-4D2BE6020583}" type="datetimeFigureOut">
               <a:rPr lang="en-US" dirty="0"/>
-              <a:t>9/24/2018</a:t>
+              <a:t>9/25/2018</a:t>
             </a:fld>
             <a:endParaRPr lang="en-US" dirty="0"/>
           </a:p>
@@ -2204,7 +2205,7 @@
           <a:p>
             <a:fld id="{87DE6118-2437-4B30-8E3C-4D2BE6020583}" type="datetimeFigureOut">
               <a:rPr lang="en-US" dirty="0"/>
-              <a:t>9/24/2018</a:t>
+              <a:t>9/25/2018</a:t>
             </a:fld>
             <a:endParaRPr lang="en-US" dirty="0"/>
           </a:p>
@@ -2294,7 +2295,7 @@
           <a:p>
             <a:fld id="{87DE6118-2437-4B30-8E3C-4D2BE6020583}" type="datetimeFigureOut">
               <a:rPr lang="en-US" dirty="0"/>
-              <a:t>9/24/2018</a:t>
+              <a:t>9/25/2018</a:t>
             </a:fld>
             <a:endParaRPr lang="en-US" dirty="0"/>
           </a:p>
@@ -2636,7 +2637,7 @@
             <a:fld id="{87DE6118-2437-4B30-8E3C-4D2BE6020583}" type="datetimeFigureOut">
               <a:rPr lang="en-US" dirty="0"/>
               <a:pPr/>
-              <a:t>9/24/2018</a:t>
+              <a:t>9/25/2018</a:t>
             </a:fld>
             <a:endParaRPr lang="en-US" dirty="0"/>
           </a:p>
@@ -3021,7 +3022,7 @@
             <a:fld id="{87DE6118-2437-4B30-8E3C-4D2BE6020583}" type="datetimeFigureOut">
               <a:rPr lang="en-US" dirty="0"/>
               <a:pPr/>
-              <a:t>9/24/2018</a:t>
+              <a:t>9/25/2018</a:t>
             </a:fld>
             <a:endParaRPr lang="en-US" dirty="0"/>
           </a:p>
@@ -3296,7 +3297,7 @@
             <a:fld id="{87DE6118-2437-4B30-8E3C-4D2BE6020583}" type="datetimeFigureOut">
               <a:rPr lang="en-US" dirty="0"/>
               <a:pPr/>
-              <a:t>9/24/2018</a:t>
+              <a:t>9/25/2018</a:t>
             </a:fld>
             <a:endParaRPr lang="en-US" dirty="0"/>
           </a:p>
@@ -3820,8 +3821,8 @@
           <a:lstStyle/>
           <a:p>
             <a:r>
-              <a:rPr lang="en-IN" dirty="0" err="1" smtClean="0"/>
-              <a:t>Misc</a:t>
+              <a:rPr lang="en-IN" smtClean="0"/>
+              <a:t>Misc.</a:t>
             </a:r>
             <a:endParaRPr lang="en-IN" dirty="0"/>
           </a:p>
@@ -3850,6 +3851,191 @@
     <p:extLst>
       <p:ext uri="{BB962C8B-B14F-4D97-AF65-F5344CB8AC3E}">
         <p14:creationId xmlns:p14="http://schemas.microsoft.com/office/powerpoint/2010/main" val="2515717805"/>
+      </p:ext>
+    </p:extLst>
+  </p:cSld>
+  <p:clrMapOvr>
+    <a:masterClrMapping/>
+  </p:clrMapOvr>
+</p:sld>
+</file>
+
+<file path=ppt/slides/slide10.xml><?xml version="1.0" encoding="utf-8"?>
+<p:sld xmlns:a="http://schemas.openxmlformats.org/drawingml/2006/main" xmlns:r="http://schemas.openxmlformats.org/officeDocument/2006/relationships" xmlns:p="http://schemas.openxmlformats.org/presentationml/2006/main">
+  <p:cSld>
+    <p:spTree>
+      <p:nvGrpSpPr>
+        <p:cNvPr id="1" name=""/>
+        <p:cNvGrpSpPr/>
+        <p:nvPr/>
+      </p:nvGrpSpPr>
+      <p:grpSpPr>
+        <a:xfrm>
+          <a:off x="0" y="0"/>
+          <a:ext cx="0" cy="0"/>
+          <a:chOff x="0" y="0"/>
+          <a:chExt cx="0" cy="0"/>
+        </a:xfrm>
+      </p:grpSpPr>
+      <p:sp>
+        <p:nvSpPr>
+          <p:cNvPr id="2" name="Title 1"/>
+          <p:cNvSpPr>
+            <a:spLocks noGrp="1"/>
+          </p:cNvSpPr>
+          <p:nvPr>
+            <p:ph type="title"/>
+          </p:nvPr>
+        </p:nvSpPr>
+        <p:spPr/>
+        <p:txBody>
+          <a:bodyPr>
+            <a:normAutofit fontScale="90000"/>
+          </a:bodyPr>
+          <a:lstStyle/>
+          <a:p>
+            <a:r>
+              <a:rPr lang="en-IN" dirty="0" smtClean="0"/>
+              <a:t>Yield - When </a:t>
+            </a:r>
+            <a:r>
+              <a:rPr lang="en-IN" dirty="0"/>
+              <a:t>to use yield instead of return in Python?</a:t>
+            </a:r>
+            <a:br>
+              <a:rPr lang="en-IN" dirty="0"/>
+            </a:br>
+            <a:endParaRPr lang="en-IN" dirty="0"/>
+          </a:p>
+        </p:txBody>
+      </p:sp>
+      <p:sp>
+        <p:nvSpPr>
+          <p:cNvPr id="3" name="Content Placeholder 2"/>
+          <p:cNvSpPr>
+            <a:spLocks noGrp="1"/>
+          </p:cNvSpPr>
+          <p:nvPr>
+            <p:ph idx="1"/>
+          </p:nvPr>
+        </p:nvSpPr>
+        <p:spPr/>
+        <p:txBody>
+          <a:bodyPr>
+            <a:normAutofit fontScale="85000" lnSpcReduction="10000"/>
+          </a:bodyPr>
+          <a:lstStyle/>
+          <a:p>
+            <a:r>
+              <a:rPr lang="en-IN" dirty="0"/>
+              <a:t>The yield statement suspends function’s execution and sends a value back to caller, but retains enough state to enable function to resume where it is left </a:t>
+            </a:r>
+            <a:r>
+              <a:rPr lang="en-IN" dirty="0" smtClean="0"/>
+              <a:t>off</a:t>
+            </a:r>
+          </a:p>
+          <a:p>
+            <a:r>
+              <a:rPr lang="en-IN" dirty="0" smtClean="0"/>
+              <a:t>When </a:t>
+            </a:r>
+            <a:r>
+              <a:rPr lang="en-IN" dirty="0"/>
+              <a:t>resumed, the function continues execution immediately after the last yield </a:t>
+            </a:r>
+            <a:r>
+              <a:rPr lang="en-IN" dirty="0" smtClean="0"/>
+              <a:t>run</a:t>
+            </a:r>
+          </a:p>
+          <a:p>
+            <a:r>
+              <a:rPr lang="en-IN" dirty="0" smtClean="0"/>
+              <a:t>This </a:t>
+            </a:r>
+            <a:r>
+              <a:rPr lang="en-IN" dirty="0"/>
+              <a:t>allows its code to produce a series of values over time, rather them computing them at once and sending them back like a </a:t>
+            </a:r>
+            <a:r>
+              <a:rPr lang="en-IN" dirty="0" smtClean="0"/>
+              <a:t>list</a:t>
+            </a:r>
+          </a:p>
+          <a:p>
+            <a:r>
+              <a:rPr lang="en-IN" b="1" dirty="0"/>
+              <a:t>Return</a:t>
+            </a:r>
+            <a:r>
+              <a:rPr lang="en-IN" dirty="0"/>
+              <a:t> sends a specified value back to its caller whereas </a:t>
+            </a:r>
+            <a:r>
+              <a:rPr lang="en-IN" b="1" dirty="0"/>
+              <a:t>Yield</a:t>
+            </a:r>
+            <a:r>
+              <a:rPr lang="en-IN" dirty="0"/>
+              <a:t> can produce a sequence of values. </a:t>
+            </a:r>
+            <a:endParaRPr lang="en-IN" dirty="0" smtClean="0"/>
+          </a:p>
+          <a:p>
+            <a:r>
+              <a:rPr lang="en-IN" dirty="0" smtClean="0"/>
+              <a:t>We </a:t>
+            </a:r>
+            <a:r>
+              <a:rPr lang="en-IN" dirty="0"/>
+              <a:t>should use yield when we want to iterate over a sequence, but don’t want to store the entire sequence in </a:t>
+            </a:r>
+            <a:r>
+              <a:rPr lang="en-IN" dirty="0" smtClean="0"/>
+              <a:t>memory</a:t>
+            </a:r>
+          </a:p>
+          <a:p>
+            <a:r>
+              <a:rPr lang="en-IN" dirty="0"/>
+              <a:t>Yield are used in Python </a:t>
+            </a:r>
+            <a:r>
+              <a:rPr lang="en-IN" b="1" dirty="0"/>
+              <a:t>generators</a:t>
+            </a:r>
+            <a:r>
+              <a:rPr lang="en-IN" dirty="0"/>
+              <a:t>. A generator function is defined like a normal function, but whenever it needs to generate a value, it does so with the yield keyword rather than return. </a:t>
+            </a:r>
+            <a:endParaRPr lang="en-IN" dirty="0" smtClean="0"/>
+          </a:p>
+          <a:p>
+            <a:r>
+              <a:rPr lang="en-IN" dirty="0" smtClean="0"/>
+              <a:t>If </a:t>
+            </a:r>
+            <a:r>
+              <a:rPr lang="en-IN" dirty="0"/>
+              <a:t>the body of a </a:t>
+            </a:r>
+            <a:r>
+              <a:rPr lang="en-IN" dirty="0" err="1"/>
+              <a:t>def</a:t>
+            </a:r>
+            <a:r>
+              <a:rPr lang="en-IN" dirty="0"/>
+              <a:t> contains yield, the function automatically becomes a generator function.</a:t>
+            </a:r>
+            <a:endParaRPr lang="en-IN" dirty="0"/>
+          </a:p>
+        </p:txBody>
+      </p:sp>
+    </p:spTree>
+    <p:extLst>
+      <p:ext uri="{BB962C8B-B14F-4D97-AF65-F5344CB8AC3E}">
+        <p14:creationId xmlns:p14="http://schemas.microsoft.com/office/powerpoint/2010/main" val="1839534434"/>
       </p:ext>
     </p:extLst>
   </p:cSld>
